--- a/simulation_report/simu presentation.pptx
+++ b/simulation_report/simu presentation.pptx
@@ -6,22 +6,23 @@
   </p:sldMasterIdLst>
   <p:sldIdLst>
     <p:sldId id="256" r:id="rId2"/>
-    <p:sldId id="261" r:id="rId3"/>
-    <p:sldId id="257" r:id="rId4"/>
-    <p:sldId id="258" r:id="rId5"/>
-    <p:sldId id="259" r:id="rId6"/>
-    <p:sldId id="260" r:id="rId7"/>
-    <p:sldId id="262" r:id="rId8"/>
-    <p:sldId id="263" r:id="rId9"/>
-    <p:sldId id="265" r:id="rId10"/>
-    <p:sldId id="266" r:id="rId11"/>
-    <p:sldId id="264" r:id="rId12"/>
-    <p:sldId id="269" r:id="rId13"/>
-    <p:sldId id="271" r:id="rId14"/>
-    <p:sldId id="267" r:id="rId15"/>
-    <p:sldId id="272" r:id="rId16"/>
-    <p:sldId id="274" r:id="rId17"/>
-    <p:sldId id="273" r:id="rId18"/>
+    <p:sldId id="275" r:id="rId3"/>
+    <p:sldId id="261" r:id="rId4"/>
+    <p:sldId id="257" r:id="rId5"/>
+    <p:sldId id="258" r:id="rId6"/>
+    <p:sldId id="259" r:id="rId7"/>
+    <p:sldId id="260" r:id="rId8"/>
+    <p:sldId id="262" r:id="rId9"/>
+    <p:sldId id="263" r:id="rId10"/>
+    <p:sldId id="265" r:id="rId11"/>
+    <p:sldId id="266" r:id="rId12"/>
+    <p:sldId id="264" r:id="rId13"/>
+    <p:sldId id="269" r:id="rId14"/>
+    <p:sldId id="271" r:id="rId15"/>
+    <p:sldId id="267" r:id="rId16"/>
+    <p:sldId id="272" r:id="rId17"/>
+    <p:sldId id="274" r:id="rId18"/>
+    <p:sldId id="273" r:id="rId19"/>
   </p:sldIdLst>
   <p:sldSz cx="12192000" cy="6858000"/>
   <p:notesSz cx="6858000" cy="9144000"/>
@@ -120,6 +121,11 @@
       </a:defRPr>
     </a:lvl9pPr>
   </p:defaultTextStyle>
+  <p:extLst>
+    <p:ext uri="{EFAFB233-063F-42B5-8137-9DF3F51BA10A}">
+      <p15:sldGuideLst xmlns:p15="http://schemas.microsoft.com/office/powerpoint/2012/main"/>
+    </p:ext>
+  </p:extLst>
 </p:presentation>
 </file>
 
@@ -270,7 +276,7 @@
           <a:p>
             <a:fld id="{1F858388-6D10-411C-9DA7-2679BDB7DAF4}" type="datetimeFigureOut">
               <a:rPr lang="tr-TR" smtClean="0"/>
-              <a:t>5.12.2023</a:t>
+              <a:t>6.12.2023</a:t>
             </a:fld>
             <a:endParaRPr lang="tr-TR"/>
           </a:p>
@@ -468,7 +474,7 @@
           <a:p>
             <a:fld id="{1F858388-6D10-411C-9DA7-2679BDB7DAF4}" type="datetimeFigureOut">
               <a:rPr lang="tr-TR" smtClean="0"/>
-              <a:t>5.12.2023</a:t>
+              <a:t>6.12.2023</a:t>
             </a:fld>
             <a:endParaRPr lang="tr-TR"/>
           </a:p>
@@ -676,7 +682,7 @@
           <a:p>
             <a:fld id="{1F858388-6D10-411C-9DA7-2679BDB7DAF4}" type="datetimeFigureOut">
               <a:rPr lang="tr-TR" smtClean="0"/>
-              <a:t>5.12.2023</a:t>
+              <a:t>6.12.2023</a:t>
             </a:fld>
             <a:endParaRPr lang="tr-TR"/>
           </a:p>
@@ -874,7 +880,7 @@
           <a:p>
             <a:fld id="{1F858388-6D10-411C-9DA7-2679BDB7DAF4}" type="datetimeFigureOut">
               <a:rPr lang="tr-TR" smtClean="0"/>
-              <a:t>5.12.2023</a:t>
+              <a:t>6.12.2023</a:t>
             </a:fld>
             <a:endParaRPr lang="tr-TR"/>
           </a:p>
@@ -1149,7 +1155,7 @@
           <a:p>
             <a:fld id="{1F858388-6D10-411C-9DA7-2679BDB7DAF4}" type="datetimeFigureOut">
               <a:rPr lang="tr-TR" smtClean="0"/>
-              <a:t>5.12.2023</a:t>
+              <a:t>6.12.2023</a:t>
             </a:fld>
             <a:endParaRPr lang="tr-TR"/>
           </a:p>
@@ -1414,7 +1420,7 @@
           <a:p>
             <a:fld id="{1F858388-6D10-411C-9DA7-2679BDB7DAF4}" type="datetimeFigureOut">
               <a:rPr lang="tr-TR" smtClean="0"/>
-              <a:t>5.12.2023</a:t>
+              <a:t>6.12.2023</a:t>
             </a:fld>
             <a:endParaRPr lang="tr-TR"/>
           </a:p>
@@ -1826,7 +1832,7 @@
           <a:p>
             <a:fld id="{1F858388-6D10-411C-9DA7-2679BDB7DAF4}" type="datetimeFigureOut">
               <a:rPr lang="tr-TR" smtClean="0"/>
-              <a:t>5.12.2023</a:t>
+              <a:t>6.12.2023</a:t>
             </a:fld>
             <a:endParaRPr lang="tr-TR"/>
           </a:p>
@@ -1967,7 +1973,7 @@
           <a:p>
             <a:fld id="{1F858388-6D10-411C-9DA7-2679BDB7DAF4}" type="datetimeFigureOut">
               <a:rPr lang="tr-TR" smtClean="0"/>
-              <a:t>5.12.2023</a:t>
+              <a:t>6.12.2023</a:t>
             </a:fld>
             <a:endParaRPr lang="tr-TR"/>
           </a:p>
@@ -2080,7 +2086,7 @@
           <a:p>
             <a:fld id="{1F858388-6D10-411C-9DA7-2679BDB7DAF4}" type="datetimeFigureOut">
               <a:rPr lang="tr-TR" smtClean="0"/>
-              <a:t>5.12.2023</a:t>
+              <a:t>6.12.2023</a:t>
             </a:fld>
             <a:endParaRPr lang="tr-TR"/>
           </a:p>
@@ -2391,7 +2397,7 @@
           <a:p>
             <a:fld id="{1F858388-6D10-411C-9DA7-2679BDB7DAF4}" type="datetimeFigureOut">
               <a:rPr lang="tr-TR" smtClean="0"/>
-              <a:t>5.12.2023</a:t>
+              <a:t>6.12.2023</a:t>
             </a:fld>
             <a:endParaRPr lang="tr-TR"/>
           </a:p>
@@ -2679,7 +2685,7 @@
           <a:p>
             <a:fld id="{1F858388-6D10-411C-9DA7-2679BDB7DAF4}" type="datetimeFigureOut">
               <a:rPr lang="tr-TR" smtClean="0"/>
-              <a:t>5.12.2023</a:t>
+              <a:t>6.12.2023</a:t>
             </a:fld>
             <a:endParaRPr lang="tr-TR"/>
           </a:p>
@@ -2920,7 +2926,7 @@
           <a:p>
             <a:fld id="{1F858388-6D10-411C-9DA7-2679BDB7DAF4}" type="datetimeFigureOut">
               <a:rPr lang="tr-TR" smtClean="0"/>
-              <a:t>5.12.2023</a:t>
+              <a:t>6.12.2023</a:t>
             </a:fld>
             <a:endParaRPr lang="tr-TR"/>
           </a:p>
@@ -3402,6 +3408,135 @@
           <p:cNvPr id="2" name="Başlık 1">
             <a:extLst>
               <a:ext uri="{FF2B5EF4-FFF2-40B4-BE49-F238E27FC236}">
+                <a16:creationId xmlns:a16="http://schemas.microsoft.com/office/drawing/2014/main" id="{BE1EE828-0F3C-5723-93FB-A2FEC4FECED0}"/>
+              </a:ext>
+            </a:extLst>
+          </p:cNvPr>
+          <p:cNvSpPr>
+            <a:spLocks noGrp="1"/>
+          </p:cNvSpPr>
+          <p:nvPr>
+            <p:ph type="title"/>
+          </p:nvPr>
+        </p:nvSpPr>
+        <p:spPr/>
+        <p:txBody>
+          <a:bodyPr/>
+          <a:lstStyle/>
+          <a:p>
+            <a:r>
+              <a:rPr lang="tr-TR" dirty="0"/>
+              <a:t>MOSFET </a:t>
+            </a:r>
+            <a:r>
+              <a:rPr lang="tr-TR" dirty="0" err="1"/>
+              <a:t>Voltage</a:t>
+            </a:r>
+            <a:r>
+              <a:rPr lang="tr-TR" dirty="0"/>
+              <a:t> </a:t>
+            </a:r>
+            <a:r>
+              <a:rPr lang="tr-TR" dirty="0" err="1"/>
+              <a:t>Waveform</a:t>
+            </a:r>
+            <a:r>
+              <a:rPr lang="tr-TR" dirty="0"/>
+              <a:t> (</a:t>
+            </a:r>
+            <a:r>
+              <a:rPr lang="tr-TR" dirty="0" err="1"/>
+              <a:t>Vds</a:t>
+            </a:r>
+            <a:r>
+              <a:rPr lang="tr-TR" dirty="0"/>
+              <a:t>)</a:t>
+            </a:r>
+          </a:p>
+        </p:txBody>
+      </p:sp>
+      <p:pic>
+        <p:nvPicPr>
+          <p:cNvPr id="1030" name="Picture 6">
+            <a:extLst>
+              <a:ext uri="{FF2B5EF4-FFF2-40B4-BE49-F238E27FC236}">
+                <a16:creationId xmlns:a16="http://schemas.microsoft.com/office/drawing/2014/main" id="{C6A687C7-0881-B901-C253-C659F7F4CA1A}"/>
+              </a:ext>
+            </a:extLst>
+          </p:cNvPr>
+          <p:cNvPicPr>
+            <a:picLocks noChangeAspect="1" noChangeArrowheads="1"/>
+          </p:cNvPicPr>
+          <p:nvPr/>
+        </p:nvPicPr>
+        <p:blipFill>
+          <a:blip r:embed="rId2">
+            <a:extLst>
+              <a:ext uri="{28A0092B-C50C-407E-A947-70E740481C1C}">
+                <a14:useLocalDpi xmlns:a14="http://schemas.microsoft.com/office/drawing/2010/main" val="0"/>
+              </a:ext>
+            </a:extLst>
+          </a:blip>
+          <a:srcRect/>
+          <a:stretch>
+            <a:fillRect/>
+          </a:stretch>
+        </p:blipFill>
+        <p:spPr bwMode="auto">
+          <a:xfrm>
+            <a:off x="539885" y="2027577"/>
+            <a:ext cx="11112230" cy="2306366"/>
+          </a:xfrm>
+          <a:prstGeom prst="rect">
+            <a:avLst/>
+          </a:prstGeom>
+          <a:noFill/>
+          <a:extLst>
+            <a:ext uri="{909E8E84-426E-40DD-AFC4-6F175D3DCCD1}">
+              <a14:hiddenFill xmlns:a14="http://schemas.microsoft.com/office/drawing/2010/main">
+                <a:solidFill>
+                  <a:srgbClr val="FFFFFF"/>
+                </a:solidFill>
+              </a14:hiddenFill>
+            </a:ext>
+          </a:extLst>
+        </p:spPr>
+      </p:pic>
+    </p:spTree>
+    <p:extLst>
+      <p:ext uri="{BB962C8B-B14F-4D97-AF65-F5344CB8AC3E}">
+        <p14:creationId xmlns:p14="http://schemas.microsoft.com/office/powerpoint/2010/main" val="2918898335"/>
+      </p:ext>
+    </p:extLst>
+  </p:cSld>
+  <p:clrMapOvr>
+    <a:masterClrMapping/>
+  </p:clrMapOvr>
+</p:sld>
+</file>
+
+<file path=ppt/slides/slide11.xml><?xml version="1.0" encoding="utf-8"?>
+<p:sld xmlns:a="http://schemas.openxmlformats.org/drawingml/2006/main" xmlns:r="http://schemas.openxmlformats.org/officeDocument/2006/relationships" xmlns:p="http://schemas.openxmlformats.org/presentationml/2006/main">
+  <p:cSld>
+    <p:spTree>
+      <p:nvGrpSpPr>
+        <p:cNvPr id="1" name=""/>
+        <p:cNvGrpSpPr/>
+        <p:nvPr/>
+      </p:nvGrpSpPr>
+      <p:grpSpPr>
+        <a:xfrm>
+          <a:off x="0" y="0"/>
+          <a:ext cx="0" cy="0"/>
+          <a:chOff x="0" y="0"/>
+          <a:chExt cx="0" cy="0"/>
+        </a:xfrm>
+      </p:grpSpPr>
+      <p:sp>
+        <p:nvSpPr>
+          <p:cNvPr id="2" name="Başlık 1">
+            <a:extLst>
+              <a:ext uri="{FF2B5EF4-FFF2-40B4-BE49-F238E27FC236}">
                 <a16:creationId xmlns:a16="http://schemas.microsoft.com/office/drawing/2014/main" id="{5BBAB087-EA8B-6F43-DC14-58740F7D97DA}"/>
               </a:ext>
             </a:extLst>
@@ -3516,7 +3651,7 @@
 </p:sld>
 </file>
 
-<file path=ppt/slides/slide11.xml><?xml version="1.0" encoding="utf-8"?>
+<file path=ppt/slides/slide12.xml><?xml version="1.0" encoding="utf-8"?>
 <p:sld xmlns:a="http://schemas.openxmlformats.org/drawingml/2006/main" xmlns:r="http://schemas.openxmlformats.org/officeDocument/2006/relationships" xmlns:p="http://schemas.openxmlformats.org/presentationml/2006/main">
   <p:cSld>
     <p:spTree>
@@ -3612,7 +3747,7 @@
 </p:sld>
 </file>
 
-<file path=ppt/slides/slide12.xml><?xml version="1.0" encoding="utf-8"?>
+<file path=ppt/slides/slide13.xml><?xml version="1.0" encoding="utf-8"?>
 <p:sld xmlns:a="http://schemas.openxmlformats.org/drawingml/2006/main" xmlns:r="http://schemas.openxmlformats.org/officeDocument/2006/relationships" xmlns:p="http://schemas.openxmlformats.org/presentationml/2006/main">
   <p:cSld>
     <p:spTree>
@@ -3737,7 +3872,7 @@
 </p:sld>
 </file>
 
-<file path=ppt/slides/slide13.xml><?xml version="1.0" encoding="utf-8"?>
+<file path=ppt/slides/slide14.xml><?xml version="1.0" encoding="utf-8"?>
 <p:sld xmlns:a="http://schemas.openxmlformats.org/drawingml/2006/main" xmlns:r="http://schemas.openxmlformats.org/officeDocument/2006/relationships" xmlns:p="http://schemas.openxmlformats.org/presentationml/2006/main">
   <p:cSld>
     <p:bg>
@@ -4301,6 +4436,228 @@
                 </a:solidFill>
               </a:rPr>
               <a:t>. </a:t>
+            </a:r>
+          </a:p>
+          <a:p>
+            <a:r>
+              <a:rPr lang="tr-TR" sz="1700" dirty="0" err="1">
+                <a:solidFill>
+                  <a:schemeClr val="bg1"/>
+                </a:solidFill>
+              </a:rPr>
+              <a:t>Voltage</a:t>
+            </a:r>
+            <a:r>
+              <a:rPr lang="tr-TR" sz="1700" dirty="0">
+                <a:solidFill>
+                  <a:schemeClr val="bg1"/>
+                </a:solidFill>
+              </a:rPr>
+              <a:t> </a:t>
+            </a:r>
+            <a:r>
+              <a:rPr lang="tr-TR" sz="1700" dirty="0" err="1">
+                <a:solidFill>
+                  <a:schemeClr val="bg1"/>
+                </a:solidFill>
+              </a:rPr>
+              <a:t>regulator</a:t>
+            </a:r>
+            <a:r>
+              <a:rPr lang="tr-TR" sz="1700" dirty="0">
+                <a:solidFill>
+                  <a:schemeClr val="bg1"/>
+                </a:solidFill>
+              </a:rPr>
+              <a:t> at </a:t>
+            </a:r>
+            <a:r>
+              <a:rPr lang="tr-TR" sz="1700" dirty="0" err="1">
+                <a:solidFill>
+                  <a:schemeClr val="bg1"/>
+                </a:solidFill>
+              </a:rPr>
+              <a:t>the</a:t>
+            </a:r>
+            <a:r>
+              <a:rPr lang="tr-TR" sz="1700" dirty="0">
+                <a:solidFill>
+                  <a:schemeClr val="bg1"/>
+                </a:solidFill>
+              </a:rPr>
+              <a:t> </a:t>
+            </a:r>
+            <a:r>
+              <a:rPr lang="tr-TR" sz="1700" dirty="0" err="1">
+                <a:solidFill>
+                  <a:schemeClr val="bg1"/>
+                </a:solidFill>
+              </a:rPr>
+              <a:t>end</a:t>
+            </a:r>
+            <a:r>
+              <a:rPr lang="tr-TR" sz="1700" dirty="0">
+                <a:solidFill>
+                  <a:schemeClr val="bg1"/>
+                </a:solidFill>
+              </a:rPr>
+              <a:t> </a:t>
+            </a:r>
+            <a:r>
+              <a:rPr lang="tr-TR" sz="1700" dirty="0" err="1">
+                <a:solidFill>
+                  <a:schemeClr val="bg1"/>
+                </a:solidFill>
+              </a:rPr>
+              <a:t>with</a:t>
+            </a:r>
+            <a:r>
+              <a:rPr lang="tr-TR" sz="1700" dirty="0">
+                <a:solidFill>
+                  <a:schemeClr val="bg1"/>
+                </a:solidFill>
+              </a:rPr>
+              <a:t> </a:t>
+            </a:r>
+            <a:r>
+              <a:rPr lang="tr-TR" sz="1700" dirty="0" err="1">
+                <a:solidFill>
+                  <a:schemeClr val="bg1"/>
+                </a:solidFill>
+              </a:rPr>
+              <a:t>resistor</a:t>
+            </a:r>
+            <a:r>
+              <a:rPr lang="tr-TR" sz="1700" dirty="0">
+                <a:solidFill>
+                  <a:schemeClr val="bg1"/>
+                </a:solidFill>
+              </a:rPr>
+              <a:t> </a:t>
+            </a:r>
+            <a:r>
+              <a:rPr lang="tr-TR" sz="1700" dirty="0" err="1">
+                <a:solidFill>
+                  <a:schemeClr val="bg1"/>
+                </a:solidFill>
+              </a:rPr>
+              <a:t>or</a:t>
+            </a:r>
+            <a:r>
+              <a:rPr lang="tr-TR" sz="1700" dirty="0">
+                <a:solidFill>
+                  <a:schemeClr val="bg1"/>
+                </a:solidFill>
+              </a:rPr>
+              <a:t> a </a:t>
+            </a:r>
+            <a:r>
+              <a:rPr lang="tr-TR" sz="1700" dirty="0" err="1">
+                <a:solidFill>
+                  <a:schemeClr val="bg1"/>
+                </a:solidFill>
+              </a:rPr>
+              <a:t>regulator</a:t>
+            </a:r>
+            <a:endParaRPr lang="tr-TR" sz="1700" dirty="0">
+              <a:solidFill>
+                <a:schemeClr val="bg1"/>
+              </a:solidFill>
+            </a:endParaRPr>
+          </a:p>
+        </p:txBody>
+      </p:sp>
+      <p:pic>
+        <p:nvPicPr>
+          <p:cNvPr id="6" name="Resim 5">
+            <a:extLst>
+              <a:ext uri="{FF2B5EF4-FFF2-40B4-BE49-F238E27FC236}">
+                <a16:creationId xmlns:a16="http://schemas.microsoft.com/office/drawing/2014/main" id="{0FB9E959-9929-6B7D-8F72-FB5822C76BF2}"/>
+              </a:ext>
+            </a:extLst>
+          </p:cNvPr>
+          <p:cNvPicPr>
+            <a:picLocks noChangeAspect="1"/>
+          </p:cNvPicPr>
+          <p:nvPr/>
+        </p:nvPicPr>
+        <p:blipFill>
+          <a:blip r:embed="rId3"/>
+          <a:stretch>
+            <a:fillRect/>
+          </a:stretch>
+        </p:blipFill>
+        <p:spPr>
+          <a:xfrm>
+            <a:off x="371094" y="4223517"/>
+            <a:ext cx="3813531" cy="2494524"/>
+          </a:xfrm>
+          <a:prstGeom prst="rect">
+            <a:avLst/>
+          </a:prstGeom>
+        </p:spPr>
+      </p:pic>
+      <p:pic>
+        <p:nvPicPr>
+          <p:cNvPr id="8" name="Resim 7">
+            <a:extLst>
+              <a:ext uri="{FF2B5EF4-FFF2-40B4-BE49-F238E27FC236}">
+                <a16:creationId xmlns:a16="http://schemas.microsoft.com/office/drawing/2014/main" id="{CA38D82A-8099-E17C-E2E6-B7B5021DCA53}"/>
+              </a:ext>
+            </a:extLst>
+          </p:cNvPr>
+          <p:cNvPicPr>
+            <a:picLocks noChangeAspect="1"/>
+          </p:cNvPicPr>
+          <p:nvPr/>
+        </p:nvPicPr>
+        <p:blipFill>
+          <a:blip r:embed="rId4"/>
+          <a:stretch>
+            <a:fillRect/>
+          </a:stretch>
+        </p:blipFill>
+        <p:spPr>
+          <a:xfrm>
+            <a:off x="8116372" y="327252"/>
+            <a:ext cx="2332710" cy="2116228"/>
+          </a:xfrm>
+          <a:prstGeom prst="rect">
+            <a:avLst/>
+          </a:prstGeom>
+        </p:spPr>
+      </p:pic>
+      <p:sp>
+        <p:nvSpPr>
+          <p:cNvPr id="9" name="Metin kutusu 8">
+            <a:extLst>
+              <a:ext uri="{FF2B5EF4-FFF2-40B4-BE49-F238E27FC236}">
+                <a16:creationId xmlns:a16="http://schemas.microsoft.com/office/drawing/2014/main" id="{5A531842-A9F2-6A1C-726C-A6D0E29F5082}"/>
+              </a:ext>
+            </a:extLst>
+          </p:cNvPr>
+          <p:cNvSpPr txBox="1"/>
+          <p:nvPr/>
+        </p:nvSpPr>
+        <p:spPr>
+          <a:xfrm>
+            <a:off x="8116372" y="2132111"/>
+            <a:ext cx="2332710" cy="307777"/>
+          </a:xfrm>
+          <a:prstGeom prst="rect">
+            <a:avLst/>
+          </a:prstGeom>
+          <a:noFill/>
+        </p:spPr>
+        <p:txBody>
+          <a:bodyPr wrap="square" rtlCol="0">
+            <a:spAutoFit/>
+          </a:bodyPr>
+          <a:lstStyle/>
+          <a:p>
+            <a:r>
+              <a:rPr lang="tr-TR" sz="1400" dirty="0"/>
+              <a:t>TL494 VOLTAGE REGULATOR</a:t>
             </a:r>
           </a:p>
         </p:txBody>
@@ -4410,7 +4767,7 @@
 </p:sld>
 </file>
 
-<file path=ppt/slides/slide14.xml><?xml version="1.0" encoding="utf-8"?>
+<file path=ppt/slides/slide15.xml><?xml version="1.0" encoding="utf-8"?>
 <p:sld xmlns:a="http://schemas.openxmlformats.org/drawingml/2006/main" xmlns:r="http://schemas.openxmlformats.org/officeDocument/2006/relationships" xmlns:p="http://schemas.openxmlformats.org/presentationml/2006/main">
   <p:cSld>
     <p:spTree>
@@ -4592,7 +4949,7 @@
 </p:sld>
 </file>
 
-<file path=ppt/slides/slide15.xml><?xml version="1.0" encoding="utf-8"?>
+<file path=ppt/slides/slide16.xml><?xml version="1.0" encoding="utf-8"?>
 <p:sld xmlns:a="http://schemas.openxmlformats.org/drawingml/2006/main" xmlns:r="http://schemas.openxmlformats.org/officeDocument/2006/relationships" xmlns:p="http://schemas.openxmlformats.org/presentationml/2006/main">
   <p:cSld>
     <p:spTree>
@@ -4697,6 +5054,45 @@
           </a:prstGeom>
         </p:spPr>
       </p:pic>
+      <p:sp>
+        <p:nvSpPr>
+          <p:cNvPr id="2" name="Metin kutusu 1">
+            <a:extLst>
+              <a:ext uri="{FF2B5EF4-FFF2-40B4-BE49-F238E27FC236}">
+                <a16:creationId xmlns:a16="http://schemas.microsoft.com/office/drawing/2014/main" id="{FB677DF7-7F7D-77B5-7246-198F162EBB82}"/>
+              </a:ext>
+            </a:extLst>
+          </p:cNvPr>
+          <p:cNvSpPr txBox="1"/>
+          <p:nvPr/>
+        </p:nvSpPr>
+        <p:spPr>
+          <a:xfrm>
+            <a:off x="5150499" y="5654351"/>
+            <a:ext cx="2749984" cy="369332"/>
+          </a:xfrm>
+          <a:prstGeom prst="rect">
+            <a:avLst/>
+          </a:prstGeom>
+          <a:noFill/>
+        </p:spPr>
+        <p:txBody>
+          <a:bodyPr wrap="none" rtlCol="0">
+            <a:spAutoFit/>
+          </a:bodyPr>
+          <a:lstStyle/>
+          <a:p>
+            <a:r>
+              <a:rPr lang="pt-BR" b="0" i="0" dirty="0">
+                <a:effectLst/>
+                <a:latin typeface="-apple-system"/>
+              </a:rPr>
+              <a:t>IRF 540 N Mosfet 100V 28A</a:t>
+            </a:r>
+            <a:endParaRPr lang="tr-TR" dirty="0"/>
+          </a:p>
+        </p:txBody>
+      </p:sp>
     </p:spTree>
     <p:extLst>
       <p:ext uri="{BB962C8B-B14F-4D97-AF65-F5344CB8AC3E}">
@@ -4710,7 +5106,7 @@
 </p:sld>
 </file>
 
-<file path=ppt/slides/slide16.xml><?xml version="1.0" encoding="utf-8"?>
+<file path=ppt/slides/slide17.xml><?xml version="1.0" encoding="utf-8"?>
 <p:sld xmlns:a="http://schemas.openxmlformats.org/drawingml/2006/main" xmlns:r="http://schemas.openxmlformats.org/officeDocument/2006/relationships" xmlns:p="http://schemas.openxmlformats.org/presentationml/2006/main">
   <p:cSld>
     <p:spTree>
@@ -4799,7 +5195,7 @@
 </p:sld>
 </file>
 
-<file path=ppt/slides/slide17.xml><?xml version="1.0" encoding="utf-8"?>
+<file path=ppt/slides/slide18.xml><?xml version="1.0" encoding="utf-8"?>
 <p:sld xmlns:a="http://schemas.openxmlformats.org/drawingml/2006/main" xmlns:r="http://schemas.openxmlformats.org/officeDocument/2006/relationships" xmlns:p="http://schemas.openxmlformats.org/presentationml/2006/main">
   <p:cSld>
     <p:spTree>
@@ -4992,129 +5388,102 @@
           <a:chExt cx="0" cy="0"/>
         </a:xfrm>
       </p:grpSpPr>
+      <p:sp>
+        <p:nvSpPr>
+          <p:cNvPr id="2" name="Başlık 1">
+            <a:extLst>
+              <a:ext uri="{FF2B5EF4-FFF2-40B4-BE49-F238E27FC236}">
+                <a16:creationId xmlns:a16="http://schemas.microsoft.com/office/drawing/2014/main" id="{A7DF17E2-ADAD-FA37-BA41-0D3265AAB2AC}"/>
+              </a:ext>
+            </a:extLst>
+          </p:cNvPr>
+          <p:cNvSpPr>
+            <a:spLocks noGrp="1"/>
+          </p:cNvSpPr>
+          <p:nvPr>
+            <p:ph type="title"/>
+          </p:nvPr>
+        </p:nvSpPr>
+        <p:spPr/>
+        <p:txBody>
+          <a:bodyPr/>
+          <a:lstStyle/>
+          <a:p>
+            <a:r>
+              <a:rPr lang="tr-TR" dirty="0" err="1"/>
+              <a:t>Charging</a:t>
+            </a:r>
+            <a:r>
+              <a:rPr lang="tr-TR" dirty="0"/>
+              <a:t> </a:t>
+            </a:r>
+            <a:r>
+              <a:rPr lang="tr-TR" dirty="0" err="1"/>
+              <a:t>types</a:t>
+            </a:r>
+            <a:r>
+              <a:rPr lang="tr-TR" dirty="0"/>
+              <a:t> of </a:t>
+            </a:r>
+            <a:r>
+              <a:rPr lang="tr-TR" dirty="0" err="1"/>
+              <a:t>battery</a:t>
+            </a:r>
+            <a:endParaRPr lang="tr-TR" dirty="0"/>
+          </a:p>
+        </p:txBody>
+      </p:sp>
       <p:pic>
         <p:nvPicPr>
-          <p:cNvPr id="7" name="Resim 6">
-            <a:extLst>
-              <a:ext uri="{FF2B5EF4-FFF2-40B4-BE49-F238E27FC236}">
-                <a16:creationId xmlns:a16="http://schemas.microsoft.com/office/drawing/2014/main" id="{3B3843C9-6552-9243-A19F-D00B9AD837DA}"/>
+          <p:cNvPr id="4" name="Picture 2">
+            <a:extLst>
+              <a:ext uri="{FF2B5EF4-FFF2-40B4-BE49-F238E27FC236}">
+                <a16:creationId xmlns:a16="http://schemas.microsoft.com/office/drawing/2014/main" id="{9DF52D99-D7B6-0007-87F5-53D48F219140}"/>
               </a:ext>
             </a:extLst>
           </p:cNvPr>
           <p:cNvPicPr>
-            <a:picLocks noChangeAspect="1"/>
+            <a:picLocks noChangeAspect="1" noChangeArrowheads="1"/>
           </p:cNvPicPr>
           <p:nvPr/>
         </p:nvPicPr>
         <p:blipFill>
-          <a:blip r:embed="rId2"/>
+          <a:blip r:embed="rId2">
+            <a:extLst>
+              <a:ext uri="{28A0092B-C50C-407E-A947-70E740481C1C}">
+                <a14:useLocalDpi xmlns:a14="http://schemas.microsoft.com/office/drawing/2010/main" val="0"/>
+              </a:ext>
+            </a:extLst>
+          </a:blip>
+          <a:srcRect/>
           <a:stretch>
             <a:fillRect/>
           </a:stretch>
         </p:blipFill>
-        <p:spPr>
+        <p:spPr bwMode="auto">
           <a:xfrm>
-            <a:off x="399016" y="543578"/>
-            <a:ext cx="4844008" cy="2069529"/>
+            <a:off x="2393302" y="1690688"/>
+            <a:ext cx="7405396" cy="4554319"/>
           </a:xfrm>
           <a:prstGeom prst="rect">
             <a:avLst/>
           </a:prstGeom>
-        </p:spPr>
-      </p:pic>
-      <p:pic>
-        <p:nvPicPr>
-          <p:cNvPr id="9" name="Resim 8">
-            <a:extLst>
-              <a:ext uri="{FF2B5EF4-FFF2-40B4-BE49-F238E27FC236}">
-                <a16:creationId xmlns:a16="http://schemas.microsoft.com/office/drawing/2014/main" id="{D184E033-320D-CB8C-43F5-8A9A00078864}"/>
-              </a:ext>
-            </a:extLst>
-          </p:cNvPr>
-          <p:cNvPicPr>
-            <a:picLocks noChangeAspect="1"/>
-          </p:cNvPicPr>
-          <p:nvPr/>
-        </p:nvPicPr>
-        <p:blipFill>
-          <a:blip r:embed="rId3"/>
-          <a:stretch>
-            <a:fillRect/>
-          </a:stretch>
-        </p:blipFill>
-        <p:spPr>
-          <a:xfrm>
-            <a:off x="6527260" y="606779"/>
-            <a:ext cx="4178948" cy="763505"/>
-          </a:xfrm>
-          <a:prstGeom prst="rect">
-            <a:avLst/>
-          </a:prstGeom>
-        </p:spPr>
-      </p:pic>
-      <p:pic>
-        <p:nvPicPr>
-          <p:cNvPr id="11" name="Resim 10">
-            <a:extLst>
-              <a:ext uri="{FF2B5EF4-FFF2-40B4-BE49-F238E27FC236}">
-                <a16:creationId xmlns:a16="http://schemas.microsoft.com/office/drawing/2014/main" id="{6A62B9AE-7584-1E07-9C2B-46D61F16440C}"/>
-              </a:ext>
-            </a:extLst>
-          </p:cNvPr>
-          <p:cNvPicPr>
-            <a:picLocks noChangeAspect="1"/>
-          </p:cNvPicPr>
-          <p:nvPr/>
-        </p:nvPicPr>
-        <p:blipFill>
-          <a:blip r:embed="rId4"/>
-          <a:stretch>
-            <a:fillRect/>
-          </a:stretch>
-        </p:blipFill>
-        <p:spPr>
-          <a:xfrm>
-            <a:off x="6447468" y="1457357"/>
-            <a:ext cx="4620091" cy="1271532"/>
-          </a:xfrm>
-          <a:prstGeom prst="rect">
-            <a:avLst/>
-          </a:prstGeom>
-        </p:spPr>
-      </p:pic>
-      <p:pic>
-        <p:nvPicPr>
-          <p:cNvPr id="15" name="İçerik Yer Tutucusu 14">
-            <a:extLst>
-              <a:ext uri="{FF2B5EF4-FFF2-40B4-BE49-F238E27FC236}">
-                <a16:creationId xmlns:a16="http://schemas.microsoft.com/office/drawing/2014/main" id="{7E67CBA6-2037-F1B1-DD3B-613BDEA0ADD0}"/>
-              </a:ext>
-            </a:extLst>
-          </p:cNvPr>
-          <p:cNvPicPr>
-            <a:picLocks noGrp="1" noChangeAspect="1"/>
-          </p:cNvPicPr>
-          <p:nvPr>
-            <p:ph idx="1"/>
-          </p:nvPr>
-        </p:nvPicPr>
-        <p:blipFill>
-          <a:blip r:embed="rId5"/>
-          <a:stretch>
-            <a:fillRect/>
-          </a:stretch>
-        </p:blipFill>
-        <p:spPr>
-          <a:xfrm>
-            <a:off x="3239667" y="3192108"/>
-            <a:ext cx="6415601" cy="3261941"/>
-          </a:xfrm>
+          <a:noFill/>
+          <a:extLst>
+            <a:ext uri="{909E8E84-426E-40DD-AFC4-6F175D3DCCD1}">
+              <a14:hiddenFill xmlns:a14="http://schemas.microsoft.com/office/drawing/2010/main">
+                <a:solidFill>
+                  <a:srgbClr val="FFFFFF"/>
+                </a:solidFill>
+              </a14:hiddenFill>
+            </a:ext>
+          </a:extLst>
         </p:spPr>
       </p:pic>
     </p:spTree>
     <p:extLst>
       <p:ext uri="{BB962C8B-B14F-4D97-AF65-F5344CB8AC3E}">
-        <p14:creationId xmlns:p14="http://schemas.microsoft.com/office/powerpoint/2010/main" val="1518697595"/>
+        <p14:creationId xmlns:p14="http://schemas.microsoft.com/office/powerpoint/2010/main" val="2632371575"/>
       </p:ext>
     </p:extLst>
   </p:cSld>
@@ -5143,6 +5512,155 @@
       </p:grpSpPr>
       <p:pic>
         <p:nvPicPr>
+          <p:cNvPr id="7" name="Resim 6">
+            <a:extLst>
+              <a:ext uri="{FF2B5EF4-FFF2-40B4-BE49-F238E27FC236}">
+                <a16:creationId xmlns:a16="http://schemas.microsoft.com/office/drawing/2014/main" id="{3B3843C9-6552-9243-A19F-D00B9AD837DA}"/>
+              </a:ext>
+            </a:extLst>
+          </p:cNvPr>
+          <p:cNvPicPr>
+            <a:picLocks noChangeAspect="1"/>
+          </p:cNvPicPr>
+          <p:nvPr/>
+        </p:nvPicPr>
+        <p:blipFill>
+          <a:blip r:embed="rId2"/>
+          <a:stretch>
+            <a:fillRect/>
+          </a:stretch>
+        </p:blipFill>
+        <p:spPr>
+          <a:xfrm>
+            <a:off x="399016" y="543578"/>
+            <a:ext cx="4844008" cy="2069529"/>
+          </a:xfrm>
+          <a:prstGeom prst="rect">
+            <a:avLst/>
+          </a:prstGeom>
+        </p:spPr>
+      </p:pic>
+      <p:pic>
+        <p:nvPicPr>
+          <p:cNvPr id="9" name="Resim 8">
+            <a:extLst>
+              <a:ext uri="{FF2B5EF4-FFF2-40B4-BE49-F238E27FC236}">
+                <a16:creationId xmlns:a16="http://schemas.microsoft.com/office/drawing/2014/main" id="{D184E033-320D-CB8C-43F5-8A9A00078864}"/>
+              </a:ext>
+            </a:extLst>
+          </p:cNvPr>
+          <p:cNvPicPr>
+            <a:picLocks noChangeAspect="1"/>
+          </p:cNvPicPr>
+          <p:nvPr/>
+        </p:nvPicPr>
+        <p:blipFill>
+          <a:blip r:embed="rId3"/>
+          <a:stretch>
+            <a:fillRect/>
+          </a:stretch>
+        </p:blipFill>
+        <p:spPr>
+          <a:xfrm>
+            <a:off x="6527260" y="606779"/>
+            <a:ext cx="4178948" cy="763505"/>
+          </a:xfrm>
+          <a:prstGeom prst="rect">
+            <a:avLst/>
+          </a:prstGeom>
+        </p:spPr>
+      </p:pic>
+      <p:pic>
+        <p:nvPicPr>
+          <p:cNvPr id="11" name="Resim 10">
+            <a:extLst>
+              <a:ext uri="{FF2B5EF4-FFF2-40B4-BE49-F238E27FC236}">
+                <a16:creationId xmlns:a16="http://schemas.microsoft.com/office/drawing/2014/main" id="{6A62B9AE-7584-1E07-9C2B-46D61F16440C}"/>
+              </a:ext>
+            </a:extLst>
+          </p:cNvPr>
+          <p:cNvPicPr>
+            <a:picLocks noChangeAspect="1"/>
+          </p:cNvPicPr>
+          <p:nvPr/>
+        </p:nvPicPr>
+        <p:blipFill>
+          <a:blip r:embed="rId4"/>
+          <a:stretch>
+            <a:fillRect/>
+          </a:stretch>
+        </p:blipFill>
+        <p:spPr>
+          <a:xfrm>
+            <a:off x="6447468" y="1457357"/>
+            <a:ext cx="4620091" cy="1271532"/>
+          </a:xfrm>
+          <a:prstGeom prst="rect">
+            <a:avLst/>
+          </a:prstGeom>
+        </p:spPr>
+      </p:pic>
+      <p:pic>
+        <p:nvPicPr>
+          <p:cNvPr id="15" name="İçerik Yer Tutucusu 14">
+            <a:extLst>
+              <a:ext uri="{FF2B5EF4-FFF2-40B4-BE49-F238E27FC236}">
+                <a16:creationId xmlns:a16="http://schemas.microsoft.com/office/drawing/2014/main" id="{7E67CBA6-2037-F1B1-DD3B-613BDEA0ADD0}"/>
+              </a:ext>
+            </a:extLst>
+          </p:cNvPr>
+          <p:cNvPicPr>
+            <a:picLocks noGrp="1" noChangeAspect="1"/>
+          </p:cNvPicPr>
+          <p:nvPr>
+            <p:ph idx="1"/>
+          </p:nvPr>
+        </p:nvPicPr>
+        <p:blipFill>
+          <a:blip r:embed="rId5"/>
+          <a:stretch>
+            <a:fillRect/>
+          </a:stretch>
+        </p:blipFill>
+        <p:spPr>
+          <a:xfrm>
+            <a:off x="3239667" y="3192108"/>
+            <a:ext cx="6415601" cy="3261941"/>
+          </a:xfrm>
+        </p:spPr>
+      </p:pic>
+    </p:spTree>
+    <p:extLst>
+      <p:ext uri="{BB962C8B-B14F-4D97-AF65-F5344CB8AC3E}">
+        <p14:creationId xmlns:p14="http://schemas.microsoft.com/office/powerpoint/2010/main" val="1518697595"/>
+      </p:ext>
+    </p:extLst>
+  </p:cSld>
+  <p:clrMapOvr>
+    <a:masterClrMapping/>
+  </p:clrMapOvr>
+</p:sld>
+</file>
+
+<file path=ppt/slides/slide4.xml><?xml version="1.0" encoding="utf-8"?>
+<p:sld xmlns:a="http://schemas.openxmlformats.org/drawingml/2006/main" xmlns:r="http://schemas.openxmlformats.org/officeDocument/2006/relationships" xmlns:p="http://schemas.openxmlformats.org/presentationml/2006/main">
+  <p:cSld>
+    <p:spTree>
+      <p:nvGrpSpPr>
+        <p:cNvPr id="1" name=""/>
+        <p:cNvGrpSpPr/>
+        <p:nvPr/>
+      </p:nvGrpSpPr>
+      <p:grpSpPr>
+        <a:xfrm>
+          <a:off x="0" y="0"/>
+          <a:ext cx="0" cy="0"/>
+          <a:chOff x="0" y="0"/>
+          <a:chExt cx="0" cy="0"/>
+        </a:xfrm>
+      </p:grpSpPr>
+      <p:pic>
+        <p:nvPicPr>
           <p:cNvPr id="5" name="İçerik Yer Tutucusu 4">
             <a:extLst>
               <a:ext uri="{FF2B5EF4-FFF2-40B4-BE49-F238E27FC236}">
@@ -5183,7 +5701,7 @@
 </p:sld>
 </file>
 
-<file path=ppt/slides/slide4.xml><?xml version="1.0" encoding="utf-8"?>
+<file path=ppt/slides/slide5.xml><?xml version="1.0" encoding="utf-8"?>
 <p:sld xmlns:a="http://schemas.openxmlformats.org/drawingml/2006/main" xmlns:r="http://schemas.openxmlformats.org/officeDocument/2006/relationships" xmlns:p="http://schemas.openxmlformats.org/presentationml/2006/main">
   <p:cSld>
     <p:spTree>
@@ -5278,7 +5796,7 @@
 </p:sld>
 </file>
 
-<file path=ppt/slides/slide5.xml><?xml version="1.0" encoding="utf-8"?>
+<file path=ppt/slides/slide6.xml><?xml version="1.0" encoding="utf-8"?>
 <p:sld xmlns:a="http://schemas.openxmlformats.org/drawingml/2006/main" xmlns:r="http://schemas.openxmlformats.org/officeDocument/2006/relationships" xmlns:p="http://schemas.openxmlformats.org/presentationml/2006/main">
   <p:cSld>
     <p:spTree>
@@ -5509,7 +6027,7 @@
 </p:sld>
 </file>
 
-<file path=ppt/slides/slide6.xml><?xml version="1.0" encoding="utf-8"?>
+<file path=ppt/slides/slide7.xml><?xml version="1.0" encoding="utf-8"?>
 <p:sld xmlns:a="http://schemas.openxmlformats.org/drawingml/2006/main" xmlns:r="http://schemas.openxmlformats.org/officeDocument/2006/relationships" xmlns:p="http://schemas.openxmlformats.org/presentationml/2006/main">
   <p:cSld>
     <p:spTree>
@@ -5767,7 +6285,7 @@
 </p:sld>
 </file>
 
-<file path=ppt/slides/slide7.xml><?xml version="1.0" encoding="utf-8"?>
+<file path=ppt/slides/slide8.xml><?xml version="1.0" encoding="utf-8"?>
 <p:sld xmlns:a="http://schemas.openxmlformats.org/drawingml/2006/main" xmlns:r="http://schemas.openxmlformats.org/officeDocument/2006/relationships" xmlns:p="http://schemas.openxmlformats.org/presentationml/2006/main">
   <p:cSld>
     <p:spTree>
@@ -5865,7 +6383,7 @@
 </p:sld>
 </file>
 
-<file path=ppt/slides/slide8.xml><?xml version="1.0" encoding="utf-8"?>
+<file path=ppt/slides/slide9.xml><?xml version="1.0" encoding="utf-8"?>
 <p:sld xmlns:a="http://schemas.openxmlformats.org/drawingml/2006/main" xmlns:r="http://schemas.openxmlformats.org/officeDocument/2006/relationships" xmlns:p="http://schemas.openxmlformats.org/presentationml/2006/main">
   <p:cSld>
     <p:spTree>
@@ -6044,135 +6562,6 @@
     <p:extLst>
       <p:ext uri="{BB962C8B-B14F-4D97-AF65-F5344CB8AC3E}">
         <p14:creationId xmlns:p14="http://schemas.microsoft.com/office/powerpoint/2010/main" val="1396051670"/>
-      </p:ext>
-    </p:extLst>
-  </p:cSld>
-  <p:clrMapOvr>
-    <a:masterClrMapping/>
-  </p:clrMapOvr>
-</p:sld>
-</file>
-
-<file path=ppt/slides/slide9.xml><?xml version="1.0" encoding="utf-8"?>
-<p:sld xmlns:a="http://schemas.openxmlformats.org/drawingml/2006/main" xmlns:r="http://schemas.openxmlformats.org/officeDocument/2006/relationships" xmlns:p="http://schemas.openxmlformats.org/presentationml/2006/main">
-  <p:cSld>
-    <p:spTree>
-      <p:nvGrpSpPr>
-        <p:cNvPr id="1" name=""/>
-        <p:cNvGrpSpPr/>
-        <p:nvPr/>
-      </p:nvGrpSpPr>
-      <p:grpSpPr>
-        <a:xfrm>
-          <a:off x="0" y="0"/>
-          <a:ext cx="0" cy="0"/>
-          <a:chOff x="0" y="0"/>
-          <a:chExt cx="0" cy="0"/>
-        </a:xfrm>
-      </p:grpSpPr>
-      <p:sp>
-        <p:nvSpPr>
-          <p:cNvPr id="2" name="Başlık 1">
-            <a:extLst>
-              <a:ext uri="{FF2B5EF4-FFF2-40B4-BE49-F238E27FC236}">
-                <a16:creationId xmlns:a16="http://schemas.microsoft.com/office/drawing/2014/main" id="{BE1EE828-0F3C-5723-93FB-A2FEC4FECED0}"/>
-              </a:ext>
-            </a:extLst>
-          </p:cNvPr>
-          <p:cNvSpPr>
-            <a:spLocks noGrp="1"/>
-          </p:cNvSpPr>
-          <p:nvPr>
-            <p:ph type="title"/>
-          </p:nvPr>
-        </p:nvSpPr>
-        <p:spPr/>
-        <p:txBody>
-          <a:bodyPr/>
-          <a:lstStyle/>
-          <a:p>
-            <a:r>
-              <a:rPr lang="tr-TR" dirty="0"/>
-              <a:t>MOSFET </a:t>
-            </a:r>
-            <a:r>
-              <a:rPr lang="tr-TR" dirty="0" err="1"/>
-              <a:t>Voltage</a:t>
-            </a:r>
-            <a:r>
-              <a:rPr lang="tr-TR" dirty="0"/>
-              <a:t> </a:t>
-            </a:r>
-            <a:r>
-              <a:rPr lang="tr-TR" dirty="0" err="1"/>
-              <a:t>Waveform</a:t>
-            </a:r>
-            <a:r>
-              <a:rPr lang="tr-TR" dirty="0"/>
-              <a:t> (</a:t>
-            </a:r>
-            <a:r>
-              <a:rPr lang="tr-TR" dirty="0" err="1"/>
-              <a:t>Vds</a:t>
-            </a:r>
-            <a:r>
-              <a:rPr lang="tr-TR" dirty="0"/>
-              <a:t>)</a:t>
-            </a:r>
-          </a:p>
-        </p:txBody>
-      </p:sp>
-      <p:pic>
-        <p:nvPicPr>
-          <p:cNvPr id="1030" name="Picture 6">
-            <a:extLst>
-              <a:ext uri="{FF2B5EF4-FFF2-40B4-BE49-F238E27FC236}">
-                <a16:creationId xmlns:a16="http://schemas.microsoft.com/office/drawing/2014/main" id="{C6A687C7-0881-B901-C253-C659F7F4CA1A}"/>
-              </a:ext>
-            </a:extLst>
-          </p:cNvPr>
-          <p:cNvPicPr>
-            <a:picLocks noChangeAspect="1" noChangeArrowheads="1"/>
-          </p:cNvPicPr>
-          <p:nvPr/>
-        </p:nvPicPr>
-        <p:blipFill>
-          <a:blip r:embed="rId2">
-            <a:extLst>
-              <a:ext uri="{28A0092B-C50C-407E-A947-70E740481C1C}">
-                <a14:useLocalDpi xmlns:a14="http://schemas.microsoft.com/office/drawing/2010/main" val="0"/>
-              </a:ext>
-            </a:extLst>
-          </a:blip>
-          <a:srcRect/>
-          <a:stretch>
-            <a:fillRect/>
-          </a:stretch>
-        </p:blipFill>
-        <p:spPr bwMode="auto">
-          <a:xfrm>
-            <a:off x="539885" y="2027577"/>
-            <a:ext cx="11112230" cy="2306366"/>
-          </a:xfrm>
-          <a:prstGeom prst="rect">
-            <a:avLst/>
-          </a:prstGeom>
-          <a:noFill/>
-          <a:extLst>
-            <a:ext uri="{909E8E84-426E-40DD-AFC4-6F175D3DCCD1}">
-              <a14:hiddenFill xmlns:a14="http://schemas.microsoft.com/office/drawing/2010/main">
-                <a:solidFill>
-                  <a:srgbClr val="FFFFFF"/>
-                </a:solidFill>
-              </a14:hiddenFill>
-            </a:ext>
-          </a:extLst>
-        </p:spPr>
-      </p:pic>
-    </p:spTree>
-    <p:extLst>
-      <p:ext uri="{BB962C8B-B14F-4D97-AF65-F5344CB8AC3E}">
-        <p14:creationId xmlns:p14="http://schemas.microsoft.com/office/powerpoint/2010/main" val="2918898335"/>
       </p:ext>
     </p:extLst>
   </p:cSld>

--- a/simulation_report/simu presentation.pptx
+++ b/simulation_report/simu presentation.pptx
@@ -6,23 +6,28 @@
   </p:sldMasterIdLst>
   <p:sldIdLst>
     <p:sldId id="256" r:id="rId2"/>
-    <p:sldId id="275" r:id="rId3"/>
-    <p:sldId id="261" r:id="rId4"/>
-    <p:sldId id="257" r:id="rId5"/>
-    <p:sldId id="258" r:id="rId6"/>
-    <p:sldId id="259" r:id="rId7"/>
-    <p:sldId id="260" r:id="rId8"/>
-    <p:sldId id="262" r:id="rId9"/>
-    <p:sldId id="263" r:id="rId10"/>
-    <p:sldId id="265" r:id="rId11"/>
-    <p:sldId id="266" r:id="rId12"/>
-    <p:sldId id="264" r:id="rId13"/>
-    <p:sldId id="269" r:id="rId14"/>
-    <p:sldId id="271" r:id="rId15"/>
-    <p:sldId id="267" r:id="rId16"/>
-    <p:sldId id="272" r:id="rId17"/>
-    <p:sldId id="274" r:id="rId18"/>
-    <p:sldId id="273" r:id="rId19"/>
+    <p:sldId id="282" r:id="rId3"/>
+    <p:sldId id="275" r:id="rId4"/>
+    <p:sldId id="281" r:id="rId5"/>
+    <p:sldId id="279" r:id="rId6"/>
+    <p:sldId id="280" r:id="rId7"/>
+    <p:sldId id="257" r:id="rId8"/>
+    <p:sldId id="258" r:id="rId9"/>
+    <p:sldId id="259" r:id="rId10"/>
+    <p:sldId id="260" r:id="rId11"/>
+    <p:sldId id="276" r:id="rId12"/>
+    <p:sldId id="262" r:id="rId13"/>
+    <p:sldId id="263" r:id="rId14"/>
+    <p:sldId id="266" r:id="rId15"/>
+    <p:sldId id="264" r:id="rId16"/>
+    <p:sldId id="269" r:id="rId17"/>
+    <p:sldId id="271" r:id="rId18"/>
+    <p:sldId id="267" r:id="rId19"/>
+    <p:sldId id="278" r:id="rId20"/>
+    <p:sldId id="272" r:id="rId21"/>
+    <p:sldId id="277" r:id="rId22"/>
+    <p:sldId id="274" r:id="rId23"/>
+    <p:sldId id="273" r:id="rId24"/>
   </p:sldIdLst>
   <p:sldSz cx="12192000" cy="6858000"/>
   <p:notesSz cx="6858000" cy="9144000"/>
@@ -3408,7 +3413,7 @@
           <p:cNvPr id="2" name="Başlık 1">
             <a:extLst>
               <a:ext uri="{FF2B5EF4-FFF2-40B4-BE49-F238E27FC236}">
-                <a16:creationId xmlns:a16="http://schemas.microsoft.com/office/drawing/2014/main" id="{BE1EE828-0F3C-5723-93FB-A2FEC4FECED0}"/>
+                <a16:creationId xmlns:a16="http://schemas.microsoft.com/office/drawing/2014/main" id="{2B9EFECF-2D4E-E51B-E059-BF333FF18678}"/>
               </a:ext>
             </a:extLst>
           </p:cNvPr>
@@ -3425,87 +3430,216 @@
           <a:lstStyle/>
           <a:p>
             <a:r>
-              <a:rPr lang="tr-TR" dirty="0"/>
-              <a:t>MOSFET </a:t>
-            </a:r>
-            <a:r>
-              <a:rPr lang="tr-TR" dirty="0" err="1"/>
+              <a:rPr lang="tr-TR" sz="1800" b="0" i="1" u="none" strike="noStrike" baseline="0" dirty="0" err="1">
+                <a:solidFill>
+                  <a:srgbClr val="000000"/>
+                </a:solidFill>
+                <a:latin typeface="Calibri" panose="020F0502020204030204" pitchFamily="34" charset="0"/>
+              </a:rPr>
+              <a:t>Output</a:t>
+            </a:r>
+            <a:r>
+              <a:rPr lang="tr-TR" sz="1800" b="0" i="1" u="none" strike="noStrike" baseline="0" dirty="0">
+                <a:solidFill>
+                  <a:srgbClr val="000000"/>
+                </a:solidFill>
+                <a:latin typeface="Calibri" panose="020F0502020204030204" pitchFamily="34" charset="0"/>
+              </a:rPr>
+              <a:t> </a:t>
+            </a:r>
+            <a:r>
+              <a:rPr lang="tr-TR" sz="1800" b="0" i="1" u="none" strike="noStrike" baseline="0" dirty="0" err="1">
+                <a:solidFill>
+                  <a:srgbClr val="000000"/>
+                </a:solidFill>
+                <a:latin typeface="Calibri" panose="020F0502020204030204" pitchFamily="34" charset="0"/>
+              </a:rPr>
               <a:t>Voltage</a:t>
             </a:r>
             <a:r>
-              <a:rPr lang="tr-TR" dirty="0"/>
+              <a:rPr lang="tr-TR" sz="1800" b="0" i="1" u="none" strike="noStrike" baseline="0" dirty="0">
+                <a:solidFill>
+                  <a:srgbClr val="000000"/>
+                </a:solidFill>
+                <a:latin typeface="Calibri" panose="020F0502020204030204" pitchFamily="34" charset="0"/>
+              </a:rPr>
               <a:t> </a:t>
             </a:r>
             <a:r>
-              <a:rPr lang="tr-TR" dirty="0" err="1"/>
-              <a:t>Waveform</a:t>
-            </a:r>
-            <a:r>
-              <a:rPr lang="tr-TR" dirty="0"/>
-              <a:t> (</a:t>
-            </a:r>
-            <a:r>
-              <a:rPr lang="tr-TR" dirty="0" err="1"/>
-              <a:t>Vds</a:t>
-            </a:r>
-            <a:r>
-              <a:rPr lang="tr-TR" dirty="0"/>
-              <a:t>)</a:t>
-            </a:r>
+              <a:rPr lang="tr-TR" sz="1800" b="0" i="1" u="none" strike="noStrike" baseline="0" dirty="0" err="1">
+                <a:solidFill>
+                  <a:srgbClr val="000000"/>
+                </a:solidFill>
+                <a:latin typeface="Calibri" panose="020F0502020204030204" pitchFamily="34" charset="0"/>
+              </a:rPr>
+              <a:t>Waveforms</a:t>
+            </a:r>
+            <a:r>
+              <a:rPr lang="tr-TR" sz="1800" b="0" i="1" u="none" strike="noStrike" baseline="0" dirty="0">
+                <a:solidFill>
+                  <a:srgbClr val="000000"/>
+                </a:solidFill>
+                <a:latin typeface="Calibri" panose="020F0502020204030204" pitchFamily="34" charset="0"/>
+              </a:rPr>
+              <a:t> , </a:t>
+            </a:r>
+            <a:r>
+              <a:rPr lang="tr-TR" sz="1800" b="0" i="1" u="none" strike="noStrike" baseline="0" dirty="0" err="1">
+                <a:solidFill>
+                  <a:srgbClr val="000000"/>
+                </a:solidFill>
+                <a:latin typeface="Calibri" panose="020F0502020204030204" pitchFamily="34" charset="0"/>
+              </a:rPr>
+              <a:t>Output</a:t>
+            </a:r>
+            <a:r>
+              <a:rPr lang="tr-TR" sz="1800" b="0" i="1" u="none" strike="noStrike" baseline="0" dirty="0">
+                <a:solidFill>
+                  <a:srgbClr val="000000"/>
+                </a:solidFill>
+                <a:latin typeface="Calibri" panose="020F0502020204030204" pitchFamily="34" charset="0"/>
+              </a:rPr>
+              <a:t> </a:t>
+            </a:r>
+            <a:r>
+              <a:rPr lang="tr-TR" sz="1800" b="0" i="1" u="none" strike="noStrike" baseline="0" dirty="0" err="1">
+                <a:solidFill>
+                  <a:srgbClr val="000000"/>
+                </a:solidFill>
+                <a:latin typeface="Calibri" panose="020F0502020204030204" pitchFamily="34" charset="0"/>
+              </a:rPr>
+              <a:t>Voltage</a:t>
+            </a:r>
+            <a:r>
+              <a:rPr lang="tr-TR" sz="1800" b="0" i="1" u="none" strike="noStrike" baseline="0" dirty="0">
+                <a:solidFill>
+                  <a:srgbClr val="000000"/>
+                </a:solidFill>
+                <a:latin typeface="Calibri" panose="020F0502020204030204" pitchFamily="34" charset="0"/>
+              </a:rPr>
+              <a:t> </a:t>
+            </a:r>
+            <a:r>
+              <a:rPr lang="tr-TR" sz="1800" b="0" i="1" u="none" strike="noStrike" baseline="0" dirty="0" err="1">
+                <a:solidFill>
+                  <a:srgbClr val="000000"/>
+                </a:solidFill>
+                <a:latin typeface="Calibri" panose="020F0502020204030204" pitchFamily="34" charset="0"/>
+              </a:rPr>
+              <a:t>Waveforms</a:t>
+            </a:r>
+            <a:r>
+              <a:rPr lang="tr-TR" sz="1800" b="0" i="1" u="none" strike="noStrike" baseline="0" dirty="0">
+                <a:solidFill>
+                  <a:srgbClr val="000000"/>
+                </a:solidFill>
+                <a:latin typeface="Calibri" panose="020F0502020204030204" pitchFamily="34" charset="0"/>
+              </a:rPr>
+              <a:t> (Maximum </a:t>
+            </a:r>
+            <a:r>
+              <a:rPr lang="tr-TR" sz="1800" b="0" i="1" u="none" strike="noStrike" baseline="0" dirty="0" err="1">
+                <a:solidFill>
+                  <a:srgbClr val="000000"/>
+                </a:solidFill>
+                <a:latin typeface="Calibri" panose="020F0502020204030204" pitchFamily="34" charset="0"/>
+              </a:rPr>
+              <a:t>Input</a:t>
+            </a:r>
+            <a:r>
+              <a:rPr lang="tr-TR" sz="1800" b="0" i="1" u="none" strike="noStrike" baseline="0" dirty="0">
+                <a:solidFill>
+                  <a:srgbClr val="000000"/>
+                </a:solidFill>
+                <a:latin typeface="Calibri" panose="020F0502020204030204" pitchFamily="34" charset="0"/>
+              </a:rPr>
+              <a:t> </a:t>
+            </a:r>
+            <a:r>
+              <a:rPr lang="tr-TR" sz="1800" b="0" i="1" u="none" strike="noStrike" baseline="0" dirty="0" err="1">
+                <a:solidFill>
+                  <a:srgbClr val="000000"/>
+                </a:solidFill>
+                <a:latin typeface="Calibri" panose="020F0502020204030204" pitchFamily="34" charset="0"/>
+              </a:rPr>
+              <a:t>Voltage</a:t>
+            </a:r>
+            <a:r>
+              <a:rPr lang="tr-TR" sz="1800" b="0" i="1" u="none" strike="noStrike" baseline="0" dirty="0">
+                <a:solidFill>
+                  <a:srgbClr val="000000"/>
+                </a:solidFill>
+                <a:latin typeface="Calibri" panose="020F0502020204030204" pitchFamily="34" charset="0"/>
+              </a:rPr>
+              <a:t>) </a:t>
+            </a:r>
+            <a:endParaRPr lang="tr-TR" dirty="0"/>
           </a:p>
         </p:txBody>
       </p:sp>
       <p:pic>
         <p:nvPicPr>
-          <p:cNvPr id="1030" name="Picture 6">
-            <a:extLst>
-              <a:ext uri="{FF2B5EF4-FFF2-40B4-BE49-F238E27FC236}">
-                <a16:creationId xmlns:a16="http://schemas.microsoft.com/office/drawing/2014/main" id="{C6A687C7-0881-B901-C253-C659F7F4CA1A}"/>
+          <p:cNvPr id="5" name="İçerik Yer Tutucusu 4">
+            <a:extLst>
+              <a:ext uri="{FF2B5EF4-FFF2-40B4-BE49-F238E27FC236}">
+                <a16:creationId xmlns:a16="http://schemas.microsoft.com/office/drawing/2014/main" id="{37F4617F-BD9C-ADD2-6A1E-F8B0827CAC24}"/>
               </a:ext>
             </a:extLst>
           </p:cNvPr>
           <p:cNvPicPr>
-            <a:picLocks noChangeAspect="1" noChangeArrowheads="1"/>
+            <a:picLocks noGrp="1" noChangeAspect="1"/>
+          </p:cNvPicPr>
+          <p:nvPr>
+            <p:ph idx="1"/>
+          </p:nvPr>
+        </p:nvPicPr>
+        <p:blipFill>
+          <a:blip r:embed="rId2"/>
+          <a:stretch>
+            <a:fillRect/>
+          </a:stretch>
+        </p:blipFill>
+        <p:spPr>
+          <a:xfrm>
+            <a:off x="1532769" y="1690688"/>
+            <a:ext cx="9998274" cy="2083644"/>
+          </a:xfrm>
+        </p:spPr>
+      </p:pic>
+      <p:pic>
+        <p:nvPicPr>
+          <p:cNvPr id="7" name="Resim 6">
+            <a:extLst>
+              <a:ext uri="{FF2B5EF4-FFF2-40B4-BE49-F238E27FC236}">
+                <a16:creationId xmlns:a16="http://schemas.microsoft.com/office/drawing/2014/main" id="{C1BF917B-6AF5-B01B-707E-967C603192A8}"/>
+              </a:ext>
+            </a:extLst>
+          </p:cNvPr>
+          <p:cNvPicPr>
+            <a:picLocks noChangeAspect="1"/>
           </p:cNvPicPr>
           <p:nvPr/>
         </p:nvPicPr>
         <p:blipFill>
-          <a:blip r:embed="rId2">
-            <a:extLst>
-              <a:ext uri="{28A0092B-C50C-407E-A947-70E740481C1C}">
-                <a14:useLocalDpi xmlns:a14="http://schemas.microsoft.com/office/drawing/2010/main" val="0"/>
-              </a:ext>
-            </a:extLst>
-          </a:blip>
-          <a:srcRect/>
+          <a:blip r:embed="rId3"/>
           <a:stretch>
             <a:fillRect/>
           </a:stretch>
         </p:blipFill>
-        <p:spPr bwMode="auto">
+        <p:spPr>
           <a:xfrm>
-            <a:off x="539885" y="2027577"/>
-            <a:ext cx="11112230" cy="2306366"/>
+            <a:off x="1532769" y="4161817"/>
+            <a:ext cx="9998274" cy="2083644"/>
           </a:xfrm>
           <a:prstGeom prst="rect">
             <a:avLst/>
           </a:prstGeom>
-          <a:noFill/>
-          <a:extLst>
-            <a:ext uri="{909E8E84-426E-40DD-AFC4-6F175D3DCCD1}">
-              <a14:hiddenFill xmlns:a14="http://schemas.microsoft.com/office/drawing/2010/main">
-                <a:solidFill>
-                  <a:srgbClr val="FFFFFF"/>
-                </a:solidFill>
-              </a14:hiddenFill>
-            </a:ext>
-          </a:extLst>
         </p:spPr>
       </p:pic>
     </p:spTree>
     <p:extLst>
       <p:ext uri="{BB962C8B-B14F-4D97-AF65-F5344CB8AC3E}">
-        <p14:creationId xmlns:p14="http://schemas.microsoft.com/office/powerpoint/2010/main" val="2918898335"/>
+        <p14:creationId xmlns:p14="http://schemas.microsoft.com/office/powerpoint/2010/main" val="3719707866"/>
       </p:ext>
     </p:extLst>
   </p:cSld>
@@ -3537,7 +3671,7 @@
           <p:cNvPr id="2" name="Başlık 1">
             <a:extLst>
               <a:ext uri="{FF2B5EF4-FFF2-40B4-BE49-F238E27FC236}">
-                <a16:creationId xmlns:a16="http://schemas.microsoft.com/office/drawing/2014/main" id="{5BBAB087-EA8B-6F43-DC14-58740F7D97DA}"/>
+                <a16:creationId xmlns:a16="http://schemas.microsoft.com/office/drawing/2014/main" id="{48F0BF5B-3BDF-ECEB-C6B8-9F7BD05C4CBA}"/>
               </a:ext>
             </a:extLst>
           </p:cNvPr>
@@ -3548,23 +3682,14 @@
             <p:ph type="title"/>
           </p:nvPr>
         </p:nvSpPr>
-        <p:spPr>
-          <a:xfrm>
-            <a:off x="838200" y="297032"/>
-            <a:ext cx="10515600" cy="1325563"/>
-          </a:xfrm>
-        </p:spPr>
+        <p:spPr/>
         <p:txBody>
           <a:bodyPr/>
           <a:lstStyle/>
           <a:p>
             <a:r>
-              <a:rPr lang="tr-TR" dirty="0"/>
-              <a:t>MOSFET </a:t>
-            </a:r>
-            <a:r>
               <a:rPr lang="tr-TR" dirty="0" err="1"/>
-              <a:t>Current</a:t>
+              <a:t>Buck</a:t>
             </a:r>
             <a:r>
               <a:rPr lang="tr-TR" dirty="0"/>
@@ -3572,29 +3697,26 @@
             </a:r>
             <a:r>
               <a:rPr lang="tr-TR" dirty="0" err="1"/>
-              <a:t>Waveform</a:t>
+              <a:t>converter</a:t>
             </a:r>
             <a:r>
               <a:rPr lang="tr-TR" dirty="0"/>
-              <a:t> (</a:t>
+              <a:t> </a:t>
             </a:r>
             <a:r>
               <a:rPr lang="tr-TR" dirty="0" err="1"/>
-              <a:t>Id</a:t>
-            </a:r>
-            <a:r>
-              <a:rPr lang="tr-TR" dirty="0"/>
-              <a:t>)</a:t>
-            </a:r>
+              <a:t>circuit</a:t>
+            </a:r>
+            <a:endParaRPr lang="tr-TR" dirty="0"/>
           </a:p>
         </p:txBody>
       </p:sp>
       <p:pic>
         <p:nvPicPr>
-          <p:cNvPr id="3074" name="Picture 2">
-            <a:extLst>
-              <a:ext uri="{FF2B5EF4-FFF2-40B4-BE49-F238E27FC236}">
-                <a16:creationId xmlns:a16="http://schemas.microsoft.com/office/drawing/2014/main" id="{B5C90F6C-1190-735A-BBA2-5393832AE922}"/>
+          <p:cNvPr id="6146" name="Picture 2">
+            <a:extLst>
+              <a:ext uri="{FF2B5EF4-FFF2-40B4-BE49-F238E27FC236}">
+                <a16:creationId xmlns:a16="http://schemas.microsoft.com/office/drawing/2014/main" id="{B2F28D59-8D22-542C-8345-35754A0C7530}"/>
               </a:ext>
             </a:extLst>
           </p:cNvPr>
@@ -3620,8 +3742,460 @@
         </p:blipFill>
         <p:spPr bwMode="auto">
           <a:xfrm>
-            <a:off x="838200" y="2914811"/>
-            <a:ext cx="10515600" cy="2172965"/>
+            <a:off x="2006082" y="1940288"/>
+            <a:ext cx="8276857" cy="3593734"/>
+          </a:xfrm>
+          <a:prstGeom prst="rect">
+            <a:avLst/>
+          </a:prstGeom>
+          <a:noFill/>
+          <a:extLst>
+            <a:ext uri="{909E8E84-426E-40DD-AFC4-6F175D3DCCD1}">
+              <a14:hiddenFill xmlns:a14="http://schemas.microsoft.com/office/drawing/2010/main">
+                <a:solidFill>
+                  <a:srgbClr val="FFFFFF"/>
+                </a:solidFill>
+              </a14:hiddenFill>
+            </a:ext>
+          </a:extLst>
+        </p:spPr>
+      </p:pic>
+    </p:spTree>
+    <p:extLst>
+      <p:ext uri="{BB962C8B-B14F-4D97-AF65-F5344CB8AC3E}">
+        <p14:creationId xmlns:p14="http://schemas.microsoft.com/office/powerpoint/2010/main" val="3005530391"/>
+      </p:ext>
+    </p:extLst>
+  </p:cSld>
+  <p:clrMapOvr>
+    <a:masterClrMapping/>
+  </p:clrMapOvr>
+</p:sld>
+</file>
+
+<file path=ppt/slides/slide12.xml><?xml version="1.0" encoding="utf-8"?>
+<p:sld xmlns:a="http://schemas.openxmlformats.org/drawingml/2006/main" xmlns:r="http://schemas.openxmlformats.org/officeDocument/2006/relationships" xmlns:p="http://schemas.openxmlformats.org/presentationml/2006/main">
+  <p:cSld>
+    <p:spTree>
+      <p:nvGrpSpPr>
+        <p:cNvPr id="1" name=""/>
+        <p:cNvGrpSpPr/>
+        <p:nvPr/>
+      </p:nvGrpSpPr>
+      <p:grpSpPr>
+        <a:xfrm>
+          <a:off x="0" y="0"/>
+          <a:ext cx="0" cy="0"/>
+          <a:chOff x="0" y="0"/>
+          <a:chExt cx="0" cy="0"/>
+        </a:xfrm>
+      </p:grpSpPr>
+      <p:sp>
+        <p:nvSpPr>
+          <p:cNvPr id="2" name="Başlık 1">
+            <a:extLst>
+              <a:ext uri="{FF2B5EF4-FFF2-40B4-BE49-F238E27FC236}">
+                <a16:creationId xmlns:a16="http://schemas.microsoft.com/office/drawing/2014/main" id="{4C039644-E442-C70F-85F3-AF32DE4E5E2A}"/>
+              </a:ext>
+            </a:extLst>
+          </p:cNvPr>
+          <p:cNvSpPr>
+            <a:spLocks noGrp="1"/>
+          </p:cNvSpPr>
+          <p:nvPr>
+            <p:ph type="title"/>
+          </p:nvPr>
+        </p:nvSpPr>
+        <p:spPr/>
+        <p:txBody>
+          <a:bodyPr>
+            <a:normAutofit/>
+          </a:bodyPr>
+          <a:lstStyle/>
+          <a:p>
+            <a:r>
+              <a:rPr lang="en-US" sz="2000" b="0" i="1" u="none" strike="noStrike" baseline="0" dirty="0">
+                <a:solidFill>
+                  <a:srgbClr val="000000"/>
+                </a:solidFill>
+                <a:latin typeface="Calibri" panose="020F0502020204030204" pitchFamily="34" charset="0"/>
+              </a:rPr>
+              <a:t>Output Voltage Waveform of Buck Converter </a:t>
+            </a:r>
+            <a:endParaRPr lang="tr-TR" sz="4800" dirty="0"/>
+          </a:p>
+        </p:txBody>
+      </p:sp>
+      <p:pic>
+        <p:nvPicPr>
+          <p:cNvPr id="5122" name="Picture 2">
+            <a:extLst>
+              <a:ext uri="{FF2B5EF4-FFF2-40B4-BE49-F238E27FC236}">
+                <a16:creationId xmlns:a16="http://schemas.microsoft.com/office/drawing/2014/main" id="{1CF5233D-1C92-197B-97A6-39006CB31C06}"/>
+              </a:ext>
+            </a:extLst>
+          </p:cNvPr>
+          <p:cNvPicPr>
+            <a:picLocks noChangeAspect="1" noChangeArrowheads="1"/>
+          </p:cNvPicPr>
+          <p:nvPr/>
+        </p:nvPicPr>
+        <p:blipFill>
+          <a:blip r:embed="rId2">
+            <a:extLst>
+              <a:ext uri="{28A0092B-C50C-407E-A947-70E740481C1C}">
+                <a14:useLocalDpi xmlns:a14="http://schemas.microsoft.com/office/drawing/2010/main" val="0"/>
+              </a:ext>
+            </a:extLst>
+          </a:blip>
+          <a:srcRect/>
+          <a:stretch>
+            <a:fillRect/>
+          </a:stretch>
+        </p:blipFill>
+        <p:spPr bwMode="auto">
+          <a:xfrm>
+            <a:off x="107302" y="2192271"/>
+            <a:ext cx="11977396" cy="2473457"/>
+          </a:xfrm>
+          <a:prstGeom prst="rect">
+            <a:avLst/>
+          </a:prstGeom>
+          <a:noFill/>
+          <a:extLst>
+            <a:ext uri="{909E8E84-426E-40DD-AFC4-6F175D3DCCD1}">
+              <a14:hiddenFill xmlns:a14="http://schemas.microsoft.com/office/drawing/2010/main">
+                <a:solidFill>
+                  <a:srgbClr val="FFFFFF"/>
+                </a:solidFill>
+              </a14:hiddenFill>
+            </a:ext>
+          </a:extLst>
+        </p:spPr>
+      </p:pic>
+    </p:spTree>
+    <p:extLst>
+      <p:ext uri="{BB962C8B-B14F-4D97-AF65-F5344CB8AC3E}">
+        <p14:creationId xmlns:p14="http://schemas.microsoft.com/office/powerpoint/2010/main" val="508484031"/>
+      </p:ext>
+    </p:extLst>
+  </p:cSld>
+  <p:clrMapOvr>
+    <a:masterClrMapping/>
+  </p:clrMapOvr>
+</p:sld>
+</file>
+
+<file path=ppt/slides/slide13.xml><?xml version="1.0" encoding="utf-8"?>
+<p:sld xmlns:a="http://schemas.openxmlformats.org/drawingml/2006/main" xmlns:r="http://schemas.openxmlformats.org/officeDocument/2006/relationships" xmlns:p="http://schemas.openxmlformats.org/presentationml/2006/main">
+  <p:cSld>
+    <p:spTree>
+      <p:nvGrpSpPr>
+        <p:cNvPr id="1" name=""/>
+        <p:cNvGrpSpPr/>
+        <p:nvPr/>
+      </p:nvGrpSpPr>
+      <p:grpSpPr>
+        <a:xfrm>
+          <a:off x="0" y="0"/>
+          <a:ext cx="0" cy="0"/>
+          <a:chOff x="0" y="0"/>
+          <a:chExt cx="0" cy="0"/>
+        </a:xfrm>
+      </p:grpSpPr>
+      <p:sp>
+        <p:nvSpPr>
+          <p:cNvPr id="2" name="Başlık 1">
+            <a:extLst>
+              <a:ext uri="{FF2B5EF4-FFF2-40B4-BE49-F238E27FC236}">
+                <a16:creationId xmlns:a16="http://schemas.microsoft.com/office/drawing/2014/main" id="{8EC550E3-6031-26A3-CDB1-80016B271DF8}"/>
+              </a:ext>
+            </a:extLst>
+          </p:cNvPr>
+          <p:cNvSpPr>
+            <a:spLocks noGrp="1"/>
+          </p:cNvSpPr>
+          <p:nvPr>
+            <p:ph type="title"/>
+          </p:nvPr>
+        </p:nvSpPr>
+        <p:spPr/>
+        <p:txBody>
+          <a:bodyPr/>
+          <a:lstStyle/>
+          <a:p>
+            <a:r>
+              <a:rPr lang="tr-TR" sz="1800" b="0" i="1" u="none" strike="noStrike" baseline="0" dirty="0" err="1">
+                <a:solidFill>
+                  <a:srgbClr val="000000"/>
+                </a:solidFill>
+                <a:latin typeface="Calibri" panose="020F0502020204030204" pitchFamily="34" charset="0"/>
+              </a:rPr>
+              <a:t>Buck</a:t>
+            </a:r>
+            <a:r>
+              <a:rPr lang="tr-TR" sz="1800" b="0" i="1" u="none" strike="noStrike" baseline="0" dirty="0">
+                <a:solidFill>
+                  <a:srgbClr val="000000"/>
+                </a:solidFill>
+                <a:latin typeface="Calibri" panose="020F0502020204030204" pitchFamily="34" charset="0"/>
+              </a:rPr>
+              <a:t> Converter </a:t>
+            </a:r>
+            <a:r>
+              <a:rPr lang="en-US" sz="1800" b="0" i="1" u="none" strike="noStrike" baseline="0" dirty="0">
+                <a:solidFill>
+                  <a:srgbClr val="000000"/>
+                </a:solidFill>
+                <a:latin typeface="Calibri" panose="020F0502020204030204" pitchFamily="34" charset="0"/>
+              </a:rPr>
+              <a:t>Voltage and Current Waveform of Inductor </a:t>
+            </a:r>
+            <a:r>
+              <a:rPr lang="tr-TR" sz="1800" b="0" i="1" u="none" strike="noStrike" baseline="0" dirty="0" err="1">
+                <a:solidFill>
+                  <a:srgbClr val="000000"/>
+                </a:solidFill>
+                <a:latin typeface="Calibri" panose="020F0502020204030204" pitchFamily="34" charset="0"/>
+              </a:rPr>
+              <a:t>and</a:t>
+            </a:r>
+            <a:r>
+              <a:rPr lang="tr-TR" sz="1800" b="0" i="1" u="none" strike="noStrike" baseline="0" dirty="0">
+                <a:solidFill>
+                  <a:srgbClr val="000000"/>
+                </a:solidFill>
+                <a:latin typeface="Calibri" panose="020F0502020204030204" pitchFamily="34" charset="0"/>
+              </a:rPr>
+              <a:t> </a:t>
+            </a:r>
+            <a:r>
+              <a:rPr lang="tr-TR" sz="1800" b="0" i="1" u="none" strike="noStrike" baseline="0" dirty="0" err="1">
+                <a:solidFill>
+                  <a:srgbClr val="000000"/>
+                </a:solidFill>
+                <a:latin typeface="Calibri" panose="020F0502020204030204" pitchFamily="34" charset="0"/>
+              </a:rPr>
+              <a:t>Diode</a:t>
+            </a:r>
+            <a:endParaRPr lang="tr-TR" dirty="0"/>
+          </a:p>
+        </p:txBody>
+      </p:sp>
+      <p:pic>
+        <p:nvPicPr>
+          <p:cNvPr id="2050" name="Picture 2">
+            <a:extLst>
+              <a:ext uri="{FF2B5EF4-FFF2-40B4-BE49-F238E27FC236}">
+                <a16:creationId xmlns:a16="http://schemas.microsoft.com/office/drawing/2014/main" id="{4CD074F2-F0D0-D79A-CCDA-5374E54E94F4}"/>
+              </a:ext>
+            </a:extLst>
+          </p:cNvPr>
+          <p:cNvPicPr>
+            <a:picLocks noChangeAspect="1" noChangeArrowheads="1"/>
+          </p:cNvPicPr>
+          <p:nvPr/>
+        </p:nvPicPr>
+        <p:blipFill>
+          <a:blip r:embed="rId2">
+            <a:extLst>
+              <a:ext uri="{28A0092B-C50C-407E-A947-70E740481C1C}">
+                <a14:useLocalDpi xmlns:a14="http://schemas.microsoft.com/office/drawing/2010/main" val="0"/>
+              </a:ext>
+            </a:extLst>
+          </a:blip>
+          <a:srcRect/>
+          <a:stretch>
+            <a:fillRect/>
+          </a:stretch>
+        </p:blipFill>
+        <p:spPr bwMode="auto">
+          <a:xfrm>
+            <a:off x="130628" y="1323875"/>
+            <a:ext cx="12061372" cy="2481376"/>
+          </a:xfrm>
+          <a:prstGeom prst="rect">
+            <a:avLst/>
+          </a:prstGeom>
+          <a:noFill/>
+          <a:extLst>
+            <a:ext uri="{909E8E84-426E-40DD-AFC4-6F175D3DCCD1}">
+              <a14:hiddenFill xmlns:a14="http://schemas.microsoft.com/office/drawing/2010/main">
+                <a:solidFill>
+                  <a:srgbClr val="FFFFFF"/>
+                </a:solidFill>
+              </a14:hiddenFill>
+            </a:ext>
+          </a:extLst>
+        </p:spPr>
+      </p:pic>
+      <p:pic>
+        <p:nvPicPr>
+          <p:cNvPr id="2052" name="Picture 4">
+            <a:extLst>
+              <a:ext uri="{FF2B5EF4-FFF2-40B4-BE49-F238E27FC236}">
+                <a16:creationId xmlns:a16="http://schemas.microsoft.com/office/drawing/2014/main" id="{2999C6A4-40FE-B19E-C866-C8DABA182C32}"/>
+              </a:ext>
+            </a:extLst>
+          </p:cNvPr>
+          <p:cNvPicPr>
+            <a:picLocks noChangeAspect="1" noChangeArrowheads="1"/>
+          </p:cNvPicPr>
+          <p:nvPr/>
+        </p:nvPicPr>
+        <p:blipFill>
+          <a:blip r:embed="rId3">
+            <a:extLst>
+              <a:ext uri="{28A0092B-C50C-407E-A947-70E740481C1C}">
+                <a14:useLocalDpi xmlns:a14="http://schemas.microsoft.com/office/drawing/2010/main" val="0"/>
+              </a:ext>
+            </a:extLst>
+          </a:blip>
+          <a:srcRect/>
+          <a:stretch>
+            <a:fillRect/>
+          </a:stretch>
+        </p:blipFill>
+        <p:spPr bwMode="auto">
+          <a:xfrm>
+            <a:off x="130628" y="3832125"/>
+            <a:ext cx="12061371" cy="2500222"/>
+          </a:xfrm>
+          <a:prstGeom prst="rect">
+            <a:avLst/>
+          </a:prstGeom>
+          <a:noFill/>
+          <a:extLst>
+            <a:ext uri="{909E8E84-426E-40DD-AFC4-6F175D3DCCD1}">
+              <a14:hiddenFill xmlns:a14="http://schemas.microsoft.com/office/drawing/2010/main">
+                <a:solidFill>
+                  <a:srgbClr val="FFFFFF"/>
+                </a:solidFill>
+              </a14:hiddenFill>
+            </a:ext>
+          </a:extLst>
+        </p:spPr>
+      </p:pic>
+    </p:spTree>
+    <p:extLst>
+      <p:ext uri="{BB962C8B-B14F-4D97-AF65-F5344CB8AC3E}">
+        <p14:creationId xmlns:p14="http://schemas.microsoft.com/office/powerpoint/2010/main" val="1396051670"/>
+      </p:ext>
+    </p:extLst>
+  </p:cSld>
+  <p:clrMapOvr>
+    <a:masterClrMapping/>
+  </p:clrMapOvr>
+</p:sld>
+</file>
+
+<file path=ppt/slides/slide14.xml><?xml version="1.0" encoding="utf-8"?>
+<p:sld xmlns:a="http://schemas.openxmlformats.org/drawingml/2006/main" xmlns:r="http://schemas.openxmlformats.org/officeDocument/2006/relationships" xmlns:p="http://schemas.openxmlformats.org/presentationml/2006/main">
+  <p:cSld>
+    <p:spTree>
+      <p:nvGrpSpPr>
+        <p:cNvPr id="1" name=""/>
+        <p:cNvGrpSpPr/>
+        <p:nvPr/>
+      </p:nvGrpSpPr>
+      <p:grpSpPr>
+        <a:xfrm>
+          <a:off x="0" y="0"/>
+          <a:ext cx="0" cy="0"/>
+          <a:chOff x="0" y="0"/>
+          <a:chExt cx="0" cy="0"/>
+        </a:xfrm>
+      </p:grpSpPr>
+      <p:sp>
+        <p:nvSpPr>
+          <p:cNvPr id="2" name="Başlık 1">
+            <a:extLst>
+              <a:ext uri="{FF2B5EF4-FFF2-40B4-BE49-F238E27FC236}">
+                <a16:creationId xmlns:a16="http://schemas.microsoft.com/office/drawing/2014/main" id="{5BBAB087-EA8B-6F43-DC14-58740F7D97DA}"/>
+              </a:ext>
+            </a:extLst>
+          </p:cNvPr>
+          <p:cNvSpPr>
+            <a:spLocks noGrp="1"/>
+          </p:cNvSpPr>
+          <p:nvPr>
+            <p:ph type="title"/>
+          </p:nvPr>
+        </p:nvSpPr>
+        <p:spPr>
+          <a:xfrm>
+            <a:off x="838200" y="297032"/>
+            <a:ext cx="10515600" cy="1325563"/>
+          </a:xfrm>
+        </p:spPr>
+        <p:txBody>
+          <a:bodyPr/>
+          <a:lstStyle/>
+          <a:p>
+            <a:r>
+              <a:rPr lang="tr-TR" dirty="0"/>
+              <a:t>MOSFET </a:t>
+            </a:r>
+            <a:r>
+              <a:rPr lang="tr-TR" dirty="0" err="1"/>
+              <a:t>Current</a:t>
+            </a:r>
+            <a:r>
+              <a:rPr lang="tr-TR" dirty="0"/>
+              <a:t> </a:t>
+            </a:r>
+            <a:r>
+              <a:rPr lang="tr-TR" dirty="0" err="1"/>
+              <a:t>Waveform</a:t>
+            </a:r>
+            <a:r>
+              <a:rPr lang="tr-TR" dirty="0"/>
+              <a:t> (</a:t>
+            </a:r>
+            <a:r>
+              <a:rPr lang="tr-TR" dirty="0" err="1"/>
+              <a:t>Id</a:t>
+            </a:r>
+            <a:r>
+              <a:rPr lang="tr-TR" dirty="0"/>
+              <a:t>)</a:t>
+            </a:r>
+          </a:p>
+        </p:txBody>
+      </p:sp>
+      <p:pic>
+        <p:nvPicPr>
+          <p:cNvPr id="4098" name="Picture 2">
+            <a:extLst>
+              <a:ext uri="{FF2B5EF4-FFF2-40B4-BE49-F238E27FC236}">
+                <a16:creationId xmlns:a16="http://schemas.microsoft.com/office/drawing/2014/main" id="{C3D44745-0FD4-4BDC-1979-D9BE3138B7A7}"/>
+              </a:ext>
+            </a:extLst>
+          </p:cNvPr>
+          <p:cNvPicPr>
+            <a:picLocks noGrp="1" noChangeAspect="1" noChangeArrowheads="1"/>
+          </p:cNvPicPr>
+          <p:nvPr>
+            <p:ph idx="1"/>
+          </p:nvPr>
+        </p:nvPicPr>
+        <p:blipFill>
+          <a:blip r:embed="rId2">
+            <a:extLst>
+              <a:ext uri="{28A0092B-C50C-407E-A947-70E740481C1C}">
+                <a14:useLocalDpi xmlns:a14="http://schemas.microsoft.com/office/drawing/2010/main" val="0"/>
+              </a:ext>
+            </a:extLst>
+          </a:blip>
+          <a:srcRect/>
+          <a:stretch>
+            <a:fillRect/>
+          </a:stretch>
+        </p:blipFill>
+        <p:spPr bwMode="auto">
+          <a:xfrm>
+            <a:off x="838200" y="2905919"/>
+            <a:ext cx="10515600" cy="2190750"/>
           </a:xfrm>
           <a:prstGeom prst="rect">
             <a:avLst/>
@@ -3651,7 +4225,7 @@
 </p:sld>
 </file>
 
-<file path=ppt/slides/slide12.xml><?xml version="1.0" encoding="utf-8"?>
+<file path=ppt/slides/slide15.xml><?xml version="1.0" encoding="utf-8"?>
 <p:sld xmlns:a="http://schemas.openxmlformats.org/drawingml/2006/main" xmlns:r="http://schemas.openxmlformats.org/officeDocument/2006/relationships" xmlns:p="http://schemas.openxmlformats.org/presentationml/2006/main">
   <p:cSld>
     <p:spTree>
@@ -3747,7 +4321,7 @@
 </p:sld>
 </file>
 
-<file path=ppt/slides/slide13.xml><?xml version="1.0" encoding="utf-8"?>
+<file path=ppt/slides/slide16.xml><?xml version="1.0" encoding="utf-8"?>
 <p:sld xmlns:a="http://schemas.openxmlformats.org/drawingml/2006/main" xmlns:r="http://schemas.openxmlformats.org/officeDocument/2006/relationships" xmlns:p="http://schemas.openxmlformats.org/presentationml/2006/main">
   <p:cSld>
     <p:spTree>
@@ -3872,7 +4446,7 @@
 </p:sld>
 </file>
 
-<file path=ppt/slides/slide14.xml><?xml version="1.0" encoding="utf-8"?>
+<file path=ppt/slides/slide17.xml><?xml version="1.0" encoding="utf-8"?>
 <p:sld xmlns:a="http://schemas.openxmlformats.org/drawingml/2006/main" xmlns:r="http://schemas.openxmlformats.org/officeDocument/2006/relationships" xmlns:p="http://schemas.openxmlformats.org/presentationml/2006/main">
   <p:cSld>
     <p:bg>
@@ -4619,7 +5193,7 @@
         </p:blipFill>
         <p:spPr>
           <a:xfrm>
-            <a:off x="8116372" y="327252"/>
+            <a:off x="5674667" y="4412665"/>
             <a:ext cx="2332710" cy="2116228"/>
           </a:xfrm>
           <a:prstGeom prst="rect">
@@ -4767,7 +5341,7 @@
 </p:sld>
 </file>
 
-<file path=ppt/slides/slide15.xml><?xml version="1.0" encoding="utf-8"?>
+<file path=ppt/slides/slide18.xml><?xml version="1.0" encoding="utf-8"?>
 <p:sld xmlns:a="http://schemas.openxmlformats.org/drawingml/2006/main" xmlns:r="http://schemas.openxmlformats.org/officeDocument/2006/relationships" xmlns:p="http://schemas.openxmlformats.org/presentationml/2006/main">
   <p:cSld>
     <p:spTree>
@@ -4949,7 +5523,274 @@
 </p:sld>
 </file>
 
-<file path=ppt/slides/slide16.xml><?xml version="1.0" encoding="utf-8"?>
+<file path=ppt/slides/slide19.xml><?xml version="1.0" encoding="utf-8"?>
+<p:sld xmlns:a="http://schemas.openxmlformats.org/drawingml/2006/main" xmlns:r="http://schemas.openxmlformats.org/officeDocument/2006/relationships" xmlns:p="http://schemas.openxmlformats.org/presentationml/2006/main">
+  <p:cSld>
+    <p:spTree>
+      <p:nvGrpSpPr>
+        <p:cNvPr id="1" name=""/>
+        <p:cNvGrpSpPr/>
+        <p:nvPr/>
+      </p:nvGrpSpPr>
+      <p:grpSpPr>
+        <a:xfrm>
+          <a:off x="0" y="0"/>
+          <a:ext cx="0" cy="0"/>
+          <a:chOff x="0" y="0"/>
+          <a:chExt cx="0" cy="0"/>
+        </a:xfrm>
+      </p:grpSpPr>
+      <p:sp>
+        <p:nvSpPr>
+          <p:cNvPr id="2" name="Başlık 1">
+            <a:extLst>
+              <a:ext uri="{FF2B5EF4-FFF2-40B4-BE49-F238E27FC236}">
+                <a16:creationId xmlns:a16="http://schemas.microsoft.com/office/drawing/2014/main" id="{976C7D32-E811-292D-C769-BC1B3D4A9199}"/>
+              </a:ext>
+            </a:extLst>
+          </p:cNvPr>
+          <p:cNvSpPr>
+            <a:spLocks noGrp="1"/>
+          </p:cNvSpPr>
+          <p:nvPr>
+            <p:ph type="title"/>
+          </p:nvPr>
+        </p:nvSpPr>
+        <p:spPr/>
+        <p:txBody>
+          <a:bodyPr/>
+          <a:lstStyle/>
+          <a:p>
+            <a:r>
+              <a:rPr lang="tr-TR" dirty="0"/>
+              <a:t>BUCK CONVERTER DIODE</a:t>
+            </a:r>
+          </a:p>
+        </p:txBody>
+      </p:sp>
+      <p:pic>
+        <p:nvPicPr>
+          <p:cNvPr id="7" name="Resim 6">
+            <a:extLst>
+              <a:ext uri="{FF2B5EF4-FFF2-40B4-BE49-F238E27FC236}">
+                <a16:creationId xmlns:a16="http://schemas.microsoft.com/office/drawing/2014/main" id="{46EE628E-4031-21D5-EBB3-A7C7C1990889}"/>
+              </a:ext>
+            </a:extLst>
+          </p:cNvPr>
+          <p:cNvPicPr>
+            <a:picLocks noChangeAspect="1"/>
+          </p:cNvPicPr>
+          <p:nvPr/>
+        </p:nvPicPr>
+        <p:blipFill>
+          <a:blip r:embed="rId2"/>
+          <a:stretch>
+            <a:fillRect/>
+          </a:stretch>
+        </p:blipFill>
+        <p:spPr>
+          <a:xfrm>
+            <a:off x="6724017" y="2133595"/>
+            <a:ext cx="4786848" cy="3639092"/>
+          </a:xfrm>
+          <a:prstGeom prst="rect">
+            <a:avLst/>
+          </a:prstGeom>
+        </p:spPr>
+      </p:pic>
+      <p:pic>
+        <p:nvPicPr>
+          <p:cNvPr id="11" name="İçerik Yer Tutucusu 10">
+            <a:extLst>
+              <a:ext uri="{FF2B5EF4-FFF2-40B4-BE49-F238E27FC236}">
+                <a16:creationId xmlns:a16="http://schemas.microsoft.com/office/drawing/2014/main" id="{2F4BF1BF-C5B2-C529-41FB-BC85FE176416}"/>
+              </a:ext>
+            </a:extLst>
+          </p:cNvPr>
+          <p:cNvPicPr>
+            <a:picLocks noGrp="1" noChangeAspect="1"/>
+          </p:cNvPicPr>
+          <p:nvPr>
+            <p:ph idx="1"/>
+          </p:nvPr>
+        </p:nvPicPr>
+        <p:blipFill>
+          <a:blip r:embed="rId3"/>
+          <a:stretch>
+            <a:fillRect/>
+          </a:stretch>
+        </p:blipFill>
+        <p:spPr>
+          <a:xfrm>
+            <a:off x="1309152" y="2508346"/>
+            <a:ext cx="4786848" cy="2889590"/>
+          </a:xfrm>
+        </p:spPr>
+      </p:pic>
+    </p:spTree>
+    <p:extLst>
+      <p:ext uri="{BB962C8B-B14F-4D97-AF65-F5344CB8AC3E}">
+        <p14:creationId xmlns:p14="http://schemas.microsoft.com/office/powerpoint/2010/main" val="1026887110"/>
+      </p:ext>
+    </p:extLst>
+  </p:cSld>
+  <p:clrMapOvr>
+    <a:masterClrMapping/>
+  </p:clrMapOvr>
+</p:sld>
+</file>
+
+<file path=ppt/slides/slide2.xml><?xml version="1.0" encoding="utf-8"?>
+<p:sld xmlns:a="http://schemas.openxmlformats.org/drawingml/2006/main" xmlns:r="http://schemas.openxmlformats.org/officeDocument/2006/relationships" xmlns:p="http://schemas.openxmlformats.org/presentationml/2006/main">
+  <p:cSld>
+    <p:spTree>
+      <p:nvGrpSpPr>
+        <p:cNvPr id="1" name=""/>
+        <p:cNvGrpSpPr/>
+        <p:nvPr/>
+      </p:nvGrpSpPr>
+      <p:grpSpPr>
+        <a:xfrm>
+          <a:off x="0" y="0"/>
+          <a:ext cx="0" cy="0"/>
+          <a:chOff x="0" y="0"/>
+          <a:chExt cx="0" cy="0"/>
+        </a:xfrm>
+      </p:grpSpPr>
+      <p:sp>
+        <p:nvSpPr>
+          <p:cNvPr id="2" name="Başlık 1">
+            <a:extLst>
+              <a:ext uri="{FF2B5EF4-FFF2-40B4-BE49-F238E27FC236}">
+                <a16:creationId xmlns:a16="http://schemas.microsoft.com/office/drawing/2014/main" id="{AA691EE1-E772-A78C-C92A-5A3A927DDCCE}"/>
+              </a:ext>
+            </a:extLst>
+          </p:cNvPr>
+          <p:cNvSpPr>
+            <a:spLocks noGrp="1"/>
+          </p:cNvSpPr>
+          <p:nvPr>
+            <p:ph type="title"/>
+          </p:nvPr>
+        </p:nvSpPr>
+        <p:spPr/>
+        <p:txBody>
+          <a:bodyPr/>
+          <a:lstStyle/>
+          <a:p>
+            <a:r>
+              <a:rPr lang="tr-TR" dirty="0"/>
+              <a:t>OUTLINE</a:t>
+            </a:r>
+          </a:p>
+        </p:txBody>
+      </p:sp>
+      <p:sp>
+        <p:nvSpPr>
+          <p:cNvPr id="3" name="İçerik Yer Tutucusu 2">
+            <a:extLst>
+              <a:ext uri="{FF2B5EF4-FFF2-40B4-BE49-F238E27FC236}">
+                <a16:creationId xmlns:a16="http://schemas.microsoft.com/office/drawing/2014/main" id="{74BA8BF7-E069-B3B3-A131-6E0D23202360}"/>
+              </a:ext>
+            </a:extLst>
+          </p:cNvPr>
+          <p:cNvSpPr>
+            <a:spLocks noGrp="1"/>
+          </p:cNvSpPr>
+          <p:nvPr>
+            <p:ph idx="1"/>
+          </p:nvPr>
+        </p:nvSpPr>
+        <p:spPr/>
+        <p:txBody>
+          <a:bodyPr/>
+          <a:lstStyle/>
+          <a:p>
+            <a:r>
+              <a:rPr lang="tr-TR" dirty="0" err="1"/>
+              <a:t>Battery</a:t>
+            </a:r>
+            <a:r>
+              <a:rPr lang="tr-TR" dirty="0"/>
+              <a:t> </a:t>
+            </a:r>
+            <a:r>
+              <a:rPr lang="tr-TR" dirty="0" err="1"/>
+              <a:t>Illustration</a:t>
+            </a:r>
+            <a:endParaRPr lang="tr-TR" dirty="0"/>
+          </a:p>
+          <a:p>
+            <a:r>
+              <a:rPr lang="tr-TR" dirty="0" err="1"/>
+              <a:t>Topology</a:t>
+            </a:r>
+            <a:r>
+              <a:rPr lang="tr-TR" dirty="0"/>
+              <a:t> </a:t>
+            </a:r>
+            <a:r>
+              <a:rPr lang="tr-TR" dirty="0" err="1"/>
+              <a:t>Selection</a:t>
+            </a:r>
+            <a:endParaRPr lang="tr-TR" dirty="0"/>
+          </a:p>
+          <a:p>
+            <a:r>
+              <a:rPr lang="tr-TR" dirty="0" err="1"/>
+              <a:t>Simulations</a:t>
+            </a:r>
+            <a:endParaRPr lang="tr-TR" dirty="0"/>
+          </a:p>
+          <a:p>
+            <a:r>
+              <a:rPr lang="tr-TR" dirty="0"/>
+              <a:t>PWM </a:t>
+            </a:r>
+            <a:r>
+              <a:rPr lang="tr-TR" dirty="0" err="1"/>
+              <a:t>Generator</a:t>
+            </a:r>
+            <a:endParaRPr lang="tr-TR" dirty="0"/>
+          </a:p>
+          <a:p>
+            <a:r>
+              <a:rPr lang="tr-TR" dirty="0"/>
+              <a:t>Component </a:t>
+            </a:r>
+            <a:r>
+              <a:rPr lang="tr-TR" dirty="0" err="1"/>
+              <a:t>Selection</a:t>
+            </a:r>
+            <a:endParaRPr lang="tr-TR" dirty="0"/>
+          </a:p>
+          <a:p>
+            <a:r>
+              <a:rPr lang="tr-TR" dirty="0"/>
+              <a:t>Bonus </a:t>
+            </a:r>
+            <a:r>
+              <a:rPr lang="tr-TR" dirty="0" err="1"/>
+              <a:t>Parts</a:t>
+            </a:r>
+            <a:endParaRPr lang="tr-TR" dirty="0"/>
+          </a:p>
+        </p:txBody>
+      </p:sp>
+    </p:spTree>
+    <p:extLst>
+      <p:ext uri="{BB962C8B-B14F-4D97-AF65-F5344CB8AC3E}">
+        <p14:creationId xmlns:p14="http://schemas.microsoft.com/office/powerpoint/2010/main" val="4255001261"/>
+      </p:ext>
+    </p:extLst>
+  </p:cSld>
+  <p:clrMapOvr>
+    <a:masterClrMapping/>
+  </p:clrMapOvr>
+</p:sld>
+</file>
+
+<file path=ppt/slides/slide20.xml><?xml version="1.0" encoding="utf-8"?>
 <p:sld xmlns:a="http://schemas.openxmlformats.org/drawingml/2006/main" xmlns:r="http://schemas.openxmlformats.org/officeDocument/2006/relationships" xmlns:p="http://schemas.openxmlformats.org/presentationml/2006/main">
   <p:cSld>
     <p:spTree>
@@ -5106,7 +5947,124 @@
 </p:sld>
 </file>
 
-<file path=ppt/slides/slide17.xml><?xml version="1.0" encoding="utf-8"?>
+<file path=ppt/slides/slide21.xml><?xml version="1.0" encoding="utf-8"?>
+<p:sld xmlns:a="http://schemas.openxmlformats.org/drawingml/2006/main" xmlns:r="http://schemas.openxmlformats.org/officeDocument/2006/relationships" xmlns:p="http://schemas.openxmlformats.org/presentationml/2006/main">
+  <p:cSld>
+    <p:spTree>
+      <p:nvGrpSpPr>
+        <p:cNvPr id="1" name=""/>
+        <p:cNvGrpSpPr/>
+        <p:nvPr/>
+      </p:nvGrpSpPr>
+      <p:grpSpPr>
+        <a:xfrm>
+          <a:off x="0" y="0"/>
+          <a:ext cx="0" cy="0"/>
+          <a:chOff x="0" y="0"/>
+          <a:chExt cx="0" cy="0"/>
+        </a:xfrm>
+      </p:grpSpPr>
+      <p:sp>
+        <p:nvSpPr>
+          <p:cNvPr id="2" name="Başlık 1">
+            <a:extLst>
+              <a:ext uri="{FF2B5EF4-FFF2-40B4-BE49-F238E27FC236}">
+                <a16:creationId xmlns:a16="http://schemas.microsoft.com/office/drawing/2014/main" id="{3D264787-958E-E810-54B6-F94A43060841}"/>
+              </a:ext>
+            </a:extLst>
+          </p:cNvPr>
+          <p:cNvSpPr>
+            <a:spLocks noGrp="1"/>
+          </p:cNvSpPr>
+          <p:nvPr>
+            <p:ph type="title"/>
+          </p:nvPr>
+        </p:nvSpPr>
+        <p:spPr/>
+        <p:txBody>
+          <a:bodyPr/>
+          <a:lstStyle/>
+          <a:p>
+            <a:r>
+              <a:rPr lang="tr-TR" dirty="0"/>
+              <a:t>MOSFET</a:t>
+            </a:r>
+          </a:p>
+        </p:txBody>
+      </p:sp>
+      <p:pic>
+        <p:nvPicPr>
+          <p:cNvPr id="4" name="İçerik Yer Tutucusu 4">
+            <a:extLst>
+              <a:ext uri="{FF2B5EF4-FFF2-40B4-BE49-F238E27FC236}">
+                <a16:creationId xmlns:a16="http://schemas.microsoft.com/office/drawing/2014/main" id="{5149DE3C-BE96-5836-0753-1B617C72C3A7}"/>
+              </a:ext>
+            </a:extLst>
+          </p:cNvPr>
+          <p:cNvPicPr>
+            <a:picLocks noGrp="1" noChangeAspect="1"/>
+          </p:cNvPicPr>
+          <p:nvPr>
+            <p:ph idx="1"/>
+          </p:nvPr>
+        </p:nvPicPr>
+        <p:blipFill>
+          <a:blip r:embed="rId2"/>
+          <a:stretch>
+            <a:fillRect/>
+          </a:stretch>
+        </p:blipFill>
+        <p:spPr>
+          <a:xfrm>
+            <a:off x="401216" y="2124204"/>
+            <a:ext cx="4914056" cy="2799324"/>
+          </a:xfrm>
+        </p:spPr>
+      </p:pic>
+      <p:pic>
+        <p:nvPicPr>
+          <p:cNvPr id="6" name="Resim 5">
+            <a:extLst>
+              <a:ext uri="{FF2B5EF4-FFF2-40B4-BE49-F238E27FC236}">
+                <a16:creationId xmlns:a16="http://schemas.microsoft.com/office/drawing/2014/main" id="{F7C0B777-48BC-52C6-CCBB-91BDC045916C}"/>
+              </a:ext>
+            </a:extLst>
+          </p:cNvPr>
+          <p:cNvPicPr>
+            <a:picLocks noChangeAspect="1"/>
+          </p:cNvPicPr>
+          <p:nvPr/>
+        </p:nvPicPr>
+        <p:blipFill>
+          <a:blip r:embed="rId3"/>
+          <a:stretch>
+            <a:fillRect/>
+          </a:stretch>
+        </p:blipFill>
+        <p:spPr>
+          <a:xfrm>
+            <a:off x="6371235" y="1486479"/>
+            <a:ext cx="5419549" cy="3529287"/>
+          </a:xfrm>
+          <a:prstGeom prst="rect">
+            <a:avLst/>
+          </a:prstGeom>
+        </p:spPr>
+      </p:pic>
+    </p:spTree>
+    <p:extLst>
+      <p:ext uri="{BB962C8B-B14F-4D97-AF65-F5344CB8AC3E}">
+        <p14:creationId xmlns:p14="http://schemas.microsoft.com/office/powerpoint/2010/main" val="4244954611"/>
+      </p:ext>
+    </p:extLst>
+  </p:cSld>
+  <p:clrMapOvr>
+    <a:masterClrMapping/>
+  </p:clrMapOvr>
+</p:sld>
+</file>
+
+<file path=ppt/slides/slide22.xml><?xml version="1.0" encoding="utf-8"?>
 <p:sld xmlns:a="http://schemas.openxmlformats.org/drawingml/2006/main" xmlns:r="http://schemas.openxmlformats.org/officeDocument/2006/relationships" xmlns:p="http://schemas.openxmlformats.org/presentationml/2006/main">
   <p:cSld>
     <p:spTree>
@@ -5195,7 +6153,7 @@
 </p:sld>
 </file>
 
-<file path=ppt/slides/slide18.xml><?xml version="1.0" encoding="utf-8"?>
+<file path=ppt/slides/slide23.xml><?xml version="1.0" encoding="utf-8"?>
 <p:sld xmlns:a="http://schemas.openxmlformats.org/drawingml/2006/main" xmlns:r="http://schemas.openxmlformats.org/officeDocument/2006/relationships" xmlns:p="http://schemas.openxmlformats.org/presentationml/2006/main">
   <p:cSld>
     <p:spTree>
@@ -5371,7 +6329,7 @@
 </p:sld>
 </file>
 
-<file path=ppt/slides/slide2.xml><?xml version="1.0" encoding="utf-8"?>
+<file path=ppt/slides/slide3.xml><?xml version="1.0" encoding="utf-8"?>
 <p:sld xmlns:a="http://schemas.openxmlformats.org/drawingml/2006/main" xmlns:r="http://schemas.openxmlformats.org/officeDocument/2006/relationships" xmlns:p="http://schemas.openxmlformats.org/presentationml/2006/main">
   <p:cSld>
     <p:spTree>
@@ -5484,155 +6442,6 @@
     <p:extLst>
       <p:ext uri="{BB962C8B-B14F-4D97-AF65-F5344CB8AC3E}">
         <p14:creationId xmlns:p14="http://schemas.microsoft.com/office/powerpoint/2010/main" val="2632371575"/>
-      </p:ext>
-    </p:extLst>
-  </p:cSld>
-  <p:clrMapOvr>
-    <a:masterClrMapping/>
-  </p:clrMapOvr>
-</p:sld>
-</file>
-
-<file path=ppt/slides/slide3.xml><?xml version="1.0" encoding="utf-8"?>
-<p:sld xmlns:a="http://schemas.openxmlformats.org/drawingml/2006/main" xmlns:r="http://schemas.openxmlformats.org/officeDocument/2006/relationships" xmlns:p="http://schemas.openxmlformats.org/presentationml/2006/main">
-  <p:cSld>
-    <p:spTree>
-      <p:nvGrpSpPr>
-        <p:cNvPr id="1" name=""/>
-        <p:cNvGrpSpPr/>
-        <p:nvPr/>
-      </p:nvGrpSpPr>
-      <p:grpSpPr>
-        <a:xfrm>
-          <a:off x="0" y="0"/>
-          <a:ext cx="0" cy="0"/>
-          <a:chOff x="0" y="0"/>
-          <a:chExt cx="0" cy="0"/>
-        </a:xfrm>
-      </p:grpSpPr>
-      <p:pic>
-        <p:nvPicPr>
-          <p:cNvPr id="7" name="Resim 6">
-            <a:extLst>
-              <a:ext uri="{FF2B5EF4-FFF2-40B4-BE49-F238E27FC236}">
-                <a16:creationId xmlns:a16="http://schemas.microsoft.com/office/drawing/2014/main" id="{3B3843C9-6552-9243-A19F-D00B9AD837DA}"/>
-              </a:ext>
-            </a:extLst>
-          </p:cNvPr>
-          <p:cNvPicPr>
-            <a:picLocks noChangeAspect="1"/>
-          </p:cNvPicPr>
-          <p:nvPr/>
-        </p:nvPicPr>
-        <p:blipFill>
-          <a:blip r:embed="rId2"/>
-          <a:stretch>
-            <a:fillRect/>
-          </a:stretch>
-        </p:blipFill>
-        <p:spPr>
-          <a:xfrm>
-            <a:off x="399016" y="543578"/>
-            <a:ext cx="4844008" cy="2069529"/>
-          </a:xfrm>
-          <a:prstGeom prst="rect">
-            <a:avLst/>
-          </a:prstGeom>
-        </p:spPr>
-      </p:pic>
-      <p:pic>
-        <p:nvPicPr>
-          <p:cNvPr id="9" name="Resim 8">
-            <a:extLst>
-              <a:ext uri="{FF2B5EF4-FFF2-40B4-BE49-F238E27FC236}">
-                <a16:creationId xmlns:a16="http://schemas.microsoft.com/office/drawing/2014/main" id="{D184E033-320D-CB8C-43F5-8A9A00078864}"/>
-              </a:ext>
-            </a:extLst>
-          </p:cNvPr>
-          <p:cNvPicPr>
-            <a:picLocks noChangeAspect="1"/>
-          </p:cNvPicPr>
-          <p:nvPr/>
-        </p:nvPicPr>
-        <p:blipFill>
-          <a:blip r:embed="rId3"/>
-          <a:stretch>
-            <a:fillRect/>
-          </a:stretch>
-        </p:blipFill>
-        <p:spPr>
-          <a:xfrm>
-            <a:off x="6527260" y="606779"/>
-            <a:ext cx="4178948" cy="763505"/>
-          </a:xfrm>
-          <a:prstGeom prst="rect">
-            <a:avLst/>
-          </a:prstGeom>
-        </p:spPr>
-      </p:pic>
-      <p:pic>
-        <p:nvPicPr>
-          <p:cNvPr id="11" name="Resim 10">
-            <a:extLst>
-              <a:ext uri="{FF2B5EF4-FFF2-40B4-BE49-F238E27FC236}">
-                <a16:creationId xmlns:a16="http://schemas.microsoft.com/office/drawing/2014/main" id="{6A62B9AE-7584-1E07-9C2B-46D61F16440C}"/>
-              </a:ext>
-            </a:extLst>
-          </p:cNvPr>
-          <p:cNvPicPr>
-            <a:picLocks noChangeAspect="1"/>
-          </p:cNvPicPr>
-          <p:nvPr/>
-        </p:nvPicPr>
-        <p:blipFill>
-          <a:blip r:embed="rId4"/>
-          <a:stretch>
-            <a:fillRect/>
-          </a:stretch>
-        </p:blipFill>
-        <p:spPr>
-          <a:xfrm>
-            <a:off x="6447468" y="1457357"/>
-            <a:ext cx="4620091" cy="1271532"/>
-          </a:xfrm>
-          <a:prstGeom prst="rect">
-            <a:avLst/>
-          </a:prstGeom>
-        </p:spPr>
-      </p:pic>
-      <p:pic>
-        <p:nvPicPr>
-          <p:cNvPr id="15" name="İçerik Yer Tutucusu 14">
-            <a:extLst>
-              <a:ext uri="{FF2B5EF4-FFF2-40B4-BE49-F238E27FC236}">
-                <a16:creationId xmlns:a16="http://schemas.microsoft.com/office/drawing/2014/main" id="{7E67CBA6-2037-F1B1-DD3B-613BDEA0ADD0}"/>
-              </a:ext>
-            </a:extLst>
-          </p:cNvPr>
-          <p:cNvPicPr>
-            <a:picLocks noGrp="1" noChangeAspect="1"/>
-          </p:cNvPicPr>
-          <p:nvPr>
-            <p:ph idx="1"/>
-          </p:nvPr>
-        </p:nvPicPr>
-        <p:blipFill>
-          <a:blip r:embed="rId5"/>
-          <a:stretch>
-            <a:fillRect/>
-          </a:stretch>
-        </p:blipFill>
-        <p:spPr>
-          <a:xfrm>
-            <a:off x="3239667" y="3192108"/>
-            <a:ext cx="6415601" cy="3261941"/>
-          </a:xfrm>
-        </p:spPr>
-      </p:pic>
-    </p:spTree>
-    <p:extLst>
-      <p:ext uri="{BB962C8B-B14F-4D97-AF65-F5344CB8AC3E}">
-        <p14:creationId xmlns:p14="http://schemas.microsoft.com/office/powerpoint/2010/main" val="1518697595"/>
       </p:ext>
     </p:extLst>
   </p:cSld>
@@ -5661,6 +6470,186 @@
       </p:grpSpPr>
       <p:pic>
         <p:nvPicPr>
+          <p:cNvPr id="5" name="Resim 4">
+            <a:extLst>
+              <a:ext uri="{FF2B5EF4-FFF2-40B4-BE49-F238E27FC236}">
+                <a16:creationId xmlns:a16="http://schemas.microsoft.com/office/drawing/2014/main" id="{8C3BB1A3-086E-A4FC-FF78-D0A276E7D5B4}"/>
+              </a:ext>
+            </a:extLst>
+          </p:cNvPr>
+          <p:cNvPicPr>
+            <a:picLocks noChangeAspect="1"/>
+          </p:cNvPicPr>
+          <p:nvPr/>
+        </p:nvPicPr>
+        <p:blipFill>
+          <a:blip r:embed="rId2"/>
+          <a:stretch>
+            <a:fillRect/>
+          </a:stretch>
+        </p:blipFill>
+        <p:spPr>
+          <a:xfrm>
+            <a:off x="1352939" y="1230090"/>
+            <a:ext cx="8381028" cy="4397819"/>
+          </a:xfrm>
+          <a:prstGeom prst="rect">
+            <a:avLst/>
+          </a:prstGeom>
+        </p:spPr>
+      </p:pic>
+    </p:spTree>
+    <p:extLst>
+      <p:ext uri="{BB962C8B-B14F-4D97-AF65-F5344CB8AC3E}">
+        <p14:creationId xmlns:p14="http://schemas.microsoft.com/office/powerpoint/2010/main" val="1501037289"/>
+      </p:ext>
+    </p:extLst>
+  </p:cSld>
+  <p:clrMapOvr>
+    <a:masterClrMapping/>
+  </p:clrMapOvr>
+</p:sld>
+</file>
+
+<file path=ppt/slides/slide5.xml><?xml version="1.0" encoding="utf-8"?>
+<p:sld xmlns:a="http://schemas.openxmlformats.org/drawingml/2006/main" xmlns:r="http://schemas.openxmlformats.org/officeDocument/2006/relationships" xmlns:p="http://schemas.openxmlformats.org/presentationml/2006/main">
+  <p:cSld>
+    <p:spTree>
+      <p:nvGrpSpPr>
+        <p:cNvPr id="1" name=""/>
+        <p:cNvGrpSpPr/>
+        <p:nvPr/>
+      </p:nvGrpSpPr>
+      <p:grpSpPr>
+        <a:xfrm>
+          <a:off x="0" y="0"/>
+          <a:ext cx="0" cy="0"/>
+          <a:chOff x="0" y="0"/>
+          <a:chExt cx="0" cy="0"/>
+        </a:xfrm>
+      </p:grpSpPr>
+      <p:pic>
+        <p:nvPicPr>
+          <p:cNvPr id="5" name="Resim 4">
+            <a:extLst>
+              <a:ext uri="{FF2B5EF4-FFF2-40B4-BE49-F238E27FC236}">
+                <a16:creationId xmlns:a16="http://schemas.microsoft.com/office/drawing/2014/main" id="{1E62DE3C-6244-02F3-37BA-9CD88DA4BDA7}"/>
+              </a:ext>
+            </a:extLst>
+          </p:cNvPr>
+          <p:cNvPicPr>
+            <a:picLocks noChangeAspect="1"/>
+          </p:cNvPicPr>
+          <p:nvPr/>
+        </p:nvPicPr>
+        <p:blipFill>
+          <a:blip r:embed="rId2"/>
+          <a:stretch>
+            <a:fillRect/>
+          </a:stretch>
+        </p:blipFill>
+        <p:spPr>
+          <a:xfrm>
+            <a:off x="1121086" y="1156995"/>
+            <a:ext cx="9451532" cy="4805265"/>
+          </a:xfrm>
+          <a:prstGeom prst="rect">
+            <a:avLst/>
+          </a:prstGeom>
+        </p:spPr>
+      </p:pic>
+    </p:spTree>
+    <p:extLst>
+      <p:ext uri="{BB962C8B-B14F-4D97-AF65-F5344CB8AC3E}">
+        <p14:creationId xmlns:p14="http://schemas.microsoft.com/office/powerpoint/2010/main" val="894347258"/>
+      </p:ext>
+    </p:extLst>
+  </p:cSld>
+  <p:clrMapOvr>
+    <a:masterClrMapping/>
+  </p:clrMapOvr>
+</p:sld>
+</file>
+
+<file path=ppt/slides/slide6.xml><?xml version="1.0" encoding="utf-8"?>
+<p:sld xmlns:a="http://schemas.openxmlformats.org/drawingml/2006/main" xmlns:r="http://schemas.openxmlformats.org/officeDocument/2006/relationships" xmlns:p="http://schemas.openxmlformats.org/presentationml/2006/main">
+  <p:cSld>
+    <p:spTree>
+      <p:nvGrpSpPr>
+        <p:cNvPr id="1" name=""/>
+        <p:cNvGrpSpPr/>
+        <p:nvPr/>
+      </p:nvGrpSpPr>
+      <p:grpSpPr>
+        <a:xfrm>
+          <a:off x="0" y="0"/>
+          <a:ext cx="0" cy="0"/>
+          <a:chOff x="0" y="0"/>
+          <a:chExt cx="0" cy="0"/>
+        </a:xfrm>
+      </p:grpSpPr>
+      <p:pic>
+        <p:nvPicPr>
+          <p:cNvPr id="5" name="Resim 4">
+            <a:extLst>
+              <a:ext uri="{FF2B5EF4-FFF2-40B4-BE49-F238E27FC236}">
+                <a16:creationId xmlns:a16="http://schemas.microsoft.com/office/drawing/2014/main" id="{360A0214-5DDF-34E4-56B3-8BDA36A2B3C2}"/>
+              </a:ext>
+            </a:extLst>
+          </p:cNvPr>
+          <p:cNvPicPr>
+            <a:picLocks noChangeAspect="1"/>
+          </p:cNvPicPr>
+          <p:nvPr/>
+        </p:nvPicPr>
+        <p:blipFill>
+          <a:blip r:embed="rId2"/>
+          <a:stretch>
+            <a:fillRect/>
+          </a:stretch>
+        </p:blipFill>
+        <p:spPr>
+          <a:xfrm>
+            <a:off x="1374214" y="1229697"/>
+            <a:ext cx="8703625" cy="4398606"/>
+          </a:xfrm>
+          <a:prstGeom prst="rect">
+            <a:avLst/>
+          </a:prstGeom>
+        </p:spPr>
+      </p:pic>
+    </p:spTree>
+    <p:extLst>
+      <p:ext uri="{BB962C8B-B14F-4D97-AF65-F5344CB8AC3E}">
+        <p14:creationId xmlns:p14="http://schemas.microsoft.com/office/powerpoint/2010/main" val="2327571343"/>
+      </p:ext>
+    </p:extLst>
+  </p:cSld>
+  <p:clrMapOvr>
+    <a:masterClrMapping/>
+  </p:clrMapOvr>
+</p:sld>
+</file>
+
+<file path=ppt/slides/slide7.xml><?xml version="1.0" encoding="utf-8"?>
+<p:sld xmlns:a="http://schemas.openxmlformats.org/drawingml/2006/main" xmlns:r="http://schemas.openxmlformats.org/officeDocument/2006/relationships" xmlns:p="http://schemas.openxmlformats.org/presentationml/2006/main">
+  <p:cSld>
+    <p:spTree>
+      <p:nvGrpSpPr>
+        <p:cNvPr id="1" name=""/>
+        <p:cNvGrpSpPr/>
+        <p:nvPr/>
+      </p:nvGrpSpPr>
+      <p:grpSpPr>
+        <a:xfrm>
+          <a:off x="0" y="0"/>
+          <a:ext cx="0" cy="0"/>
+          <a:chOff x="0" y="0"/>
+          <a:chExt cx="0" cy="0"/>
+        </a:xfrm>
+      </p:grpSpPr>
+      <p:pic>
+        <p:nvPicPr>
           <p:cNvPr id="5" name="İçerik Yer Tutucusu 4">
             <a:extLst>
               <a:ext uri="{FF2B5EF4-FFF2-40B4-BE49-F238E27FC236}">
@@ -5701,7 +6690,7 @@
 </p:sld>
 </file>
 
-<file path=ppt/slides/slide5.xml><?xml version="1.0" encoding="utf-8"?>
+<file path=ppt/slides/slide8.xml><?xml version="1.0" encoding="utf-8"?>
 <p:sld xmlns:a="http://schemas.openxmlformats.org/drawingml/2006/main" xmlns:r="http://schemas.openxmlformats.org/officeDocument/2006/relationships" xmlns:p="http://schemas.openxmlformats.org/presentationml/2006/main">
   <p:cSld>
     <p:spTree>
@@ -5796,7 +6785,7 @@
 </p:sld>
 </file>
 
-<file path=ppt/slides/slide6.xml><?xml version="1.0" encoding="utf-8"?>
+<file path=ppt/slides/slide9.xml><?xml version="1.0" encoding="utf-8"?>
 <p:sld xmlns:a="http://schemas.openxmlformats.org/drawingml/2006/main" xmlns:r="http://schemas.openxmlformats.org/officeDocument/2006/relationships" xmlns:p="http://schemas.openxmlformats.org/presentationml/2006/main">
   <p:cSld>
     <p:spTree>
@@ -6018,550 +7007,6 @@
     <p:extLst>
       <p:ext uri="{BB962C8B-B14F-4D97-AF65-F5344CB8AC3E}">
         <p14:creationId xmlns:p14="http://schemas.microsoft.com/office/powerpoint/2010/main" val="3679221623"/>
-      </p:ext>
-    </p:extLst>
-  </p:cSld>
-  <p:clrMapOvr>
-    <a:masterClrMapping/>
-  </p:clrMapOvr>
-</p:sld>
-</file>
-
-<file path=ppt/slides/slide7.xml><?xml version="1.0" encoding="utf-8"?>
-<p:sld xmlns:a="http://schemas.openxmlformats.org/drawingml/2006/main" xmlns:r="http://schemas.openxmlformats.org/officeDocument/2006/relationships" xmlns:p="http://schemas.openxmlformats.org/presentationml/2006/main">
-  <p:cSld>
-    <p:spTree>
-      <p:nvGrpSpPr>
-        <p:cNvPr id="1" name=""/>
-        <p:cNvGrpSpPr/>
-        <p:nvPr/>
-      </p:nvGrpSpPr>
-      <p:grpSpPr>
-        <a:xfrm>
-          <a:off x="0" y="0"/>
-          <a:ext cx="0" cy="0"/>
-          <a:chOff x="0" y="0"/>
-          <a:chExt cx="0" cy="0"/>
-        </a:xfrm>
-      </p:grpSpPr>
-      <p:sp>
-        <p:nvSpPr>
-          <p:cNvPr id="2" name="Başlık 1">
-            <a:extLst>
-              <a:ext uri="{FF2B5EF4-FFF2-40B4-BE49-F238E27FC236}">
-                <a16:creationId xmlns:a16="http://schemas.microsoft.com/office/drawing/2014/main" id="{2B9EFECF-2D4E-E51B-E059-BF333FF18678}"/>
-              </a:ext>
-            </a:extLst>
-          </p:cNvPr>
-          <p:cNvSpPr>
-            <a:spLocks noGrp="1"/>
-          </p:cNvSpPr>
-          <p:nvPr>
-            <p:ph type="title"/>
-          </p:nvPr>
-        </p:nvSpPr>
-        <p:spPr/>
-        <p:txBody>
-          <a:bodyPr/>
-          <a:lstStyle/>
-          <a:p>
-            <a:r>
-              <a:rPr lang="tr-TR" sz="1800" b="0" i="1" u="none" strike="noStrike" baseline="0" dirty="0" err="1">
-                <a:solidFill>
-                  <a:srgbClr val="000000"/>
-                </a:solidFill>
-                <a:latin typeface="Calibri" panose="020F0502020204030204" pitchFamily="34" charset="0"/>
-              </a:rPr>
-              <a:t>Output</a:t>
-            </a:r>
-            <a:r>
-              <a:rPr lang="tr-TR" sz="1800" b="0" i="1" u="none" strike="noStrike" baseline="0" dirty="0">
-                <a:solidFill>
-                  <a:srgbClr val="000000"/>
-                </a:solidFill>
-                <a:latin typeface="Calibri" panose="020F0502020204030204" pitchFamily="34" charset="0"/>
-              </a:rPr>
-              <a:t> </a:t>
-            </a:r>
-            <a:r>
-              <a:rPr lang="tr-TR" sz="1800" b="0" i="1" u="none" strike="noStrike" baseline="0" dirty="0" err="1">
-                <a:solidFill>
-                  <a:srgbClr val="000000"/>
-                </a:solidFill>
-                <a:latin typeface="Calibri" panose="020F0502020204030204" pitchFamily="34" charset="0"/>
-              </a:rPr>
-              <a:t>Voltage</a:t>
-            </a:r>
-            <a:r>
-              <a:rPr lang="tr-TR" sz="1800" b="0" i="1" u="none" strike="noStrike" baseline="0" dirty="0">
-                <a:solidFill>
-                  <a:srgbClr val="000000"/>
-                </a:solidFill>
-                <a:latin typeface="Calibri" panose="020F0502020204030204" pitchFamily="34" charset="0"/>
-              </a:rPr>
-              <a:t> </a:t>
-            </a:r>
-            <a:r>
-              <a:rPr lang="tr-TR" sz="1800" b="0" i="1" u="none" strike="noStrike" baseline="0" dirty="0" err="1">
-                <a:solidFill>
-                  <a:srgbClr val="000000"/>
-                </a:solidFill>
-                <a:latin typeface="Calibri" panose="020F0502020204030204" pitchFamily="34" charset="0"/>
-              </a:rPr>
-              <a:t>Waveforms</a:t>
-            </a:r>
-            <a:r>
-              <a:rPr lang="tr-TR" sz="1800" b="0" i="1" u="none" strike="noStrike" baseline="0" dirty="0">
-                <a:solidFill>
-                  <a:srgbClr val="000000"/>
-                </a:solidFill>
-                <a:latin typeface="Calibri" panose="020F0502020204030204" pitchFamily="34" charset="0"/>
-              </a:rPr>
-              <a:t> , </a:t>
-            </a:r>
-            <a:r>
-              <a:rPr lang="tr-TR" sz="1800" b="0" i="1" u="none" strike="noStrike" baseline="0" dirty="0" err="1">
-                <a:solidFill>
-                  <a:srgbClr val="000000"/>
-                </a:solidFill>
-                <a:latin typeface="Calibri" panose="020F0502020204030204" pitchFamily="34" charset="0"/>
-              </a:rPr>
-              <a:t>Output</a:t>
-            </a:r>
-            <a:r>
-              <a:rPr lang="tr-TR" sz="1800" b="0" i="1" u="none" strike="noStrike" baseline="0" dirty="0">
-                <a:solidFill>
-                  <a:srgbClr val="000000"/>
-                </a:solidFill>
-                <a:latin typeface="Calibri" panose="020F0502020204030204" pitchFamily="34" charset="0"/>
-              </a:rPr>
-              <a:t> </a:t>
-            </a:r>
-            <a:r>
-              <a:rPr lang="tr-TR" sz="1800" b="0" i="1" u="none" strike="noStrike" baseline="0" dirty="0" err="1">
-                <a:solidFill>
-                  <a:srgbClr val="000000"/>
-                </a:solidFill>
-                <a:latin typeface="Calibri" panose="020F0502020204030204" pitchFamily="34" charset="0"/>
-              </a:rPr>
-              <a:t>Voltage</a:t>
-            </a:r>
-            <a:r>
-              <a:rPr lang="tr-TR" sz="1800" b="0" i="1" u="none" strike="noStrike" baseline="0" dirty="0">
-                <a:solidFill>
-                  <a:srgbClr val="000000"/>
-                </a:solidFill>
-                <a:latin typeface="Calibri" panose="020F0502020204030204" pitchFamily="34" charset="0"/>
-              </a:rPr>
-              <a:t> </a:t>
-            </a:r>
-            <a:r>
-              <a:rPr lang="tr-TR" sz="1800" b="0" i="1" u="none" strike="noStrike" baseline="0" dirty="0" err="1">
-                <a:solidFill>
-                  <a:srgbClr val="000000"/>
-                </a:solidFill>
-                <a:latin typeface="Calibri" panose="020F0502020204030204" pitchFamily="34" charset="0"/>
-              </a:rPr>
-              <a:t>Waveforms</a:t>
-            </a:r>
-            <a:r>
-              <a:rPr lang="tr-TR" sz="1800" b="0" i="1" u="none" strike="noStrike" baseline="0" dirty="0">
-                <a:solidFill>
-                  <a:srgbClr val="000000"/>
-                </a:solidFill>
-                <a:latin typeface="Calibri" panose="020F0502020204030204" pitchFamily="34" charset="0"/>
-              </a:rPr>
-              <a:t> (Maximum </a:t>
-            </a:r>
-            <a:r>
-              <a:rPr lang="tr-TR" sz="1800" b="0" i="1" u="none" strike="noStrike" baseline="0" dirty="0" err="1">
-                <a:solidFill>
-                  <a:srgbClr val="000000"/>
-                </a:solidFill>
-                <a:latin typeface="Calibri" panose="020F0502020204030204" pitchFamily="34" charset="0"/>
-              </a:rPr>
-              <a:t>Input</a:t>
-            </a:r>
-            <a:r>
-              <a:rPr lang="tr-TR" sz="1800" b="0" i="1" u="none" strike="noStrike" baseline="0" dirty="0">
-                <a:solidFill>
-                  <a:srgbClr val="000000"/>
-                </a:solidFill>
-                <a:latin typeface="Calibri" panose="020F0502020204030204" pitchFamily="34" charset="0"/>
-              </a:rPr>
-              <a:t> </a:t>
-            </a:r>
-            <a:r>
-              <a:rPr lang="tr-TR" sz="1800" b="0" i="1" u="none" strike="noStrike" baseline="0" dirty="0" err="1">
-                <a:solidFill>
-                  <a:srgbClr val="000000"/>
-                </a:solidFill>
-                <a:latin typeface="Calibri" panose="020F0502020204030204" pitchFamily="34" charset="0"/>
-              </a:rPr>
-              <a:t>Voltage</a:t>
-            </a:r>
-            <a:r>
-              <a:rPr lang="tr-TR" sz="1800" b="0" i="1" u="none" strike="noStrike" baseline="0" dirty="0">
-                <a:solidFill>
-                  <a:srgbClr val="000000"/>
-                </a:solidFill>
-                <a:latin typeface="Calibri" panose="020F0502020204030204" pitchFamily="34" charset="0"/>
-              </a:rPr>
-              <a:t>) </a:t>
-            </a:r>
-            <a:endParaRPr lang="tr-TR" dirty="0"/>
-          </a:p>
-        </p:txBody>
-      </p:sp>
-      <p:pic>
-        <p:nvPicPr>
-          <p:cNvPr id="5" name="İçerik Yer Tutucusu 4">
-            <a:extLst>
-              <a:ext uri="{FF2B5EF4-FFF2-40B4-BE49-F238E27FC236}">
-                <a16:creationId xmlns:a16="http://schemas.microsoft.com/office/drawing/2014/main" id="{37F4617F-BD9C-ADD2-6A1E-F8B0827CAC24}"/>
-              </a:ext>
-            </a:extLst>
-          </p:cNvPr>
-          <p:cNvPicPr>
-            <a:picLocks noGrp="1" noChangeAspect="1"/>
-          </p:cNvPicPr>
-          <p:nvPr>
-            <p:ph idx="1"/>
-          </p:nvPr>
-        </p:nvPicPr>
-        <p:blipFill>
-          <a:blip r:embed="rId2"/>
-          <a:stretch>
-            <a:fillRect/>
-          </a:stretch>
-        </p:blipFill>
-        <p:spPr>
-          <a:xfrm>
-            <a:off x="1532769" y="1690688"/>
-            <a:ext cx="9998274" cy="2083644"/>
-          </a:xfrm>
-        </p:spPr>
-      </p:pic>
-      <p:pic>
-        <p:nvPicPr>
-          <p:cNvPr id="7" name="Resim 6">
-            <a:extLst>
-              <a:ext uri="{FF2B5EF4-FFF2-40B4-BE49-F238E27FC236}">
-                <a16:creationId xmlns:a16="http://schemas.microsoft.com/office/drawing/2014/main" id="{C1BF917B-6AF5-B01B-707E-967C603192A8}"/>
-              </a:ext>
-            </a:extLst>
-          </p:cNvPr>
-          <p:cNvPicPr>
-            <a:picLocks noChangeAspect="1"/>
-          </p:cNvPicPr>
-          <p:nvPr/>
-        </p:nvPicPr>
-        <p:blipFill>
-          <a:blip r:embed="rId3"/>
-          <a:stretch>
-            <a:fillRect/>
-          </a:stretch>
-        </p:blipFill>
-        <p:spPr>
-          <a:xfrm>
-            <a:off x="1532769" y="4161817"/>
-            <a:ext cx="9998274" cy="2083644"/>
-          </a:xfrm>
-          <a:prstGeom prst="rect">
-            <a:avLst/>
-          </a:prstGeom>
-        </p:spPr>
-      </p:pic>
-    </p:spTree>
-    <p:extLst>
-      <p:ext uri="{BB962C8B-B14F-4D97-AF65-F5344CB8AC3E}">
-        <p14:creationId xmlns:p14="http://schemas.microsoft.com/office/powerpoint/2010/main" val="3719707866"/>
-      </p:ext>
-    </p:extLst>
-  </p:cSld>
-  <p:clrMapOvr>
-    <a:masterClrMapping/>
-  </p:clrMapOvr>
-</p:sld>
-</file>
-
-<file path=ppt/slides/slide8.xml><?xml version="1.0" encoding="utf-8"?>
-<p:sld xmlns:a="http://schemas.openxmlformats.org/drawingml/2006/main" xmlns:r="http://schemas.openxmlformats.org/officeDocument/2006/relationships" xmlns:p="http://schemas.openxmlformats.org/presentationml/2006/main">
-  <p:cSld>
-    <p:spTree>
-      <p:nvGrpSpPr>
-        <p:cNvPr id="1" name=""/>
-        <p:cNvGrpSpPr/>
-        <p:nvPr/>
-      </p:nvGrpSpPr>
-      <p:grpSpPr>
-        <a:xfrm>
-          <a:off x="0" y="0"/>
-          <a:ext cx="0" cy="0"/>
-          <a:chOff x="0" y="0"/>
-          <a:chExt cx="0" cy="0"/>
-        </a:xfrm>
-      </p:grpSpPr>
-      <p:sp>
-        <p:nvSpPr>
-          <p:cNvPr id="2" name="Başlık 1">
-            <a:extLst>
-              <a:ext uri="{FF2B5EF4-FFF2-40B4-BE49-F238E27FC236}">
-                <a16:creationId xmlns:a16="http://schemas.microsoft.com/office/drawing/2014/main" id="{4C039644-E442-C70F-85F3-AF32DE4E5E2A}"/>
-              </a:ext>
-            </a:extLst>
-          </p:cNvPr>
-          <p:cNvSpPr>
-            <a:spLocks noGrp="1"/>
-          </p:cNvSpPr>
-          <p:nvPr>
-            <p:ph type="title"/>
-          </p:nvPr>
-        </p:nvSpPr>
-        <p:spPr/>
-        <p:txBody>
-          <a:bodyPr>
-            <a:normAutofit/>
-          </a:bodyPr>
-          <a:lstStyle/>
-          <a:p>
-            <a:r>
-              <a:rPr lang="en-US" sz="2000" b="0" i="1" u="none" strike="noStrike" baseline="0" dirty="0">
-                <a:solidFill>
-                  <a:srgbClr val="000000"/>
-                </a:solidFill>
-                <a:latin typeface="Calibri" panose="020F0502020204030204" pitchFamily="34" charset="0"/>
-              </a:rPr>
-              <a:t>Output Voltage Waveform of Buck Converter </a:t>
-            </a:r>
-            <a:endParaRPr lang="tr-TR" sz="4800" dirty="0"/>
-          </a:p>
-        </p:txBody>
-      </p:sp>
-      <p:pic>
-        <p:nvPicPr>
-          <p:cNvPr id="9" name="İçerik Yer Tutucusu 8">
-            <a:extLst>
-              <a:ext uri="{FF2B5EF4-FFF2-40B4-BE49-F238E27FC236}">
-                <a16:creationId xmlns:a16="http://schemas.microsoft.com/office/drawing/2014/main" id="{C19764A6-B913-01EE-F241-38D0CA53A149}"/>
-              </a:ext>
-            </a:extLst>
-          </p:cNvPr>
-          <p:cNvPicPr>
-            <a:picLocks noGrp="1" noChangeAspect="1"/>
-          </p:cNvPicPr>
-          <p:nvPr>
-            <p:ph idx="1"/>
-          </p:nvPr>
-        </p:nvPicPr>
-        <p:blipFill>
-          <a:blip r:embed="rId2"/>
-          <a:stretch>
-            <a:fillRect/>
-          </a:stretch>
-        </p:blipFill>
-        <p:spPr>
-          <a:xfrm>
-            <a:off x="838200" y="2915956"/>
-            <a:ext cx="10515600" cy="2170676"/>
-          </a:xfrm>
-          <a:prstGeom prst="rect">
-            <a:avLst/>
-          </a:prstGeom>
-        </p:spPr>
-      </p:pic>
-    </p:spTree>
-    <p:extLst>
-      <p:ext uri="{BB962C8B-B14F-4D97-AF65-F5344CB8AC3E}">
-        <p14:creationId xmlns:p14="http://schemas.microsoft.com/office/powerpoint/2010/main" val="508484031"/>
-      </p:ext>
-    </p:extLst>
-  </p:cSld>
-  <p:clrMapOvr>
-    <a:masterClrMapping/>
-  </p:clrMapOvr>
-</p:sld>
-</file>
-
-<file path=ppt/slides/slide9.xml><?xml version="1.0" encoding="utf-8"?>
-<p:sld xmlns:a="http://schemas.openxmlformats.org/drawingml/2006/main" xmlns:r="http://schemas.openxmlformats.org/officeDocument/2006/relationships" xmlns:p="http://schemas.openxmlformats.org/presentationml/2006/main">
-  <p:cSld>
-    <p:spTree>
-      <p:nvGrpSpPr>
-        <p:cNvPr id="1" name=""/>
-        <p:cNvGrpSpPr/>
-        <p:nvPr/>
-      </p:nvGrpSpPr>
-      <p:grpSpPr>
-        <a:xfrm>
-          <a:off x="0" y="0"/>
-          <a:ext cx="0" cy="0"/>
-          <a:chOff x="0" y="0"/>
-          <a:chExt cx="0" cy="0"/>
-        </a:xfrm>
-      </p:grpSpPr>
-      <p:sp>
-        <p:nvSpPr>
-          <p:cNvPr id="2" name="Başlık 1">
-            <a:extLst>
-              <a:ext uri="{FF2B5EF4-FFF2-40B4-BE49-F238E27FC236}">
-                <a16:creationId xmlns:a16="http://schemas.microsoft.com/office/drawing/2014/main" id="{8EC550E3-6031-26A3-CDB1-80016B271DF8}"/>
-              </a:ext>
-            </a:extLst>
-          </p:cNvPr>
-          <p:cNvSpPr>
-            <a:spLocks noGrp="1"/>
-          </p:cNvSpPr>
-          <p:nvPr>
-            <p:ph type="title"/>
-          </p:nvPr>
-        </p:nvSpPr>
-        <p:spPr/>
-        <p:txBody>
-          <a:bodyPr/>
-          <a:lstStyle/>
-          <a:p>
-            <a:r>
-              <a:rPr lang="tr-TR" sz="1800" b="0" i="1" u="none" strike="noStrike" baseline="0" dirty="0" err="1">
-                <a:solidFill>
-                  <a:srgbClr val="000000"/>
-                </a:solidFill>
-                <a:latin typeface="Calibri" panose="020F0502020204030204" pitchFamily="34" charset="0"/>
-              </a:rPr>
-              <a:t>Buck</a:t>
-            </a:r>
-            <a:r>
-              <a:rPr lang="tr-TR" sz="1800" b="0" i="1" u="none" strike="noStrike" baseline="0" dirty="0">
-                <a:solidFill>
-                  <a:srgbClr val="000000"/>
-                </a:solidFill>
-                <a:latin typeface="Calibri" panose="020F0502020204030204" pitchFamily="34" charset="0"/>
-              </a:rPr>
-              <a:t> Converter </a:t>
-            </a:r>
-            <a:r>
-              <a:rPr lang="en-US" sz="1800" b="0" i="1" u="none" strike="noStrike" baseline="0" dirty="0">
-                <a:solidFill>
-                  <a:srgbClr val="000000"/>
-                </a:solidFill>
-                <a:latin typeface="Calibri" panose="020F0502020204030204" pitchFamily="34" charset="0"/>
-              </a:rPr>
-              <a:t>Voltage and Current Waveform of Inductor </a:t>
-            </a:r>
-            <a:r>
-              <a:rPr lang="tr-TR" sz="1800" b="0" i="1" u="none" strike="noStrike" baseline="0" dirty="0" err="1">
-                <a:solidFill>
-                  <a:srgbClr val="000000"/>
-                </a:solidFill>
-                <a:latin typeface="Calibri" panose="020F0502020204030204" pitchFamily="34" charset="0"/>
-              </a:rPr>
-              <a:t>and</a:t>
-            </a:r>
-            <a:r>
-              <a:rPr lang="tr-TR" sz="1800" b="0" i="1" u="none" strike="noStrike" baseline="0" dirty="0">
-                <a:solidFill>
-                  <a:srgbClr val="000000"/>
-                </a:solidFill>
-                <a:latin typeface="Calibri" panose="020F0502020204030204" pitchFamily="34" charset="0"/>
-              </a:rPr>
-              <a:t> </a:t>
-            </a:r>
-            <a:r>
-              <a:rPr lang="tr-TR" sz="1800" b="0" i="1" u="none" strike="noStrike" baseline="0" dirty="0" err="1">
-                <a:solidFill>
-                  <a:srgbClr val="000000"/>
-                </a:solidFill>
-                <a:latin typeface="Calibri" panose="020F0502020204030204" pitchFamily="34" charset="0"/>
-              </a:rPr>
-              <a:t>Diode</a:t>
-            </a:r>
-            <a:endParaRPr lang="tr-TR" dirty="0"/>
-          </a:p>
-        </p:txBody>
-      </p:sp>
-      <p:pic>
-        <p:nvPicPr>
-          <p:cNvPr id="5122" name="Picture 2">
-            <a:extLst>
-              <a:ext uri="{FF2B5EF4-FFF2-40B4-BE49-F238E27FC236}">
-                <a16:creationId xmlns:a16="http://schemas.microsoft.com/office/drawing/2014/main" id="{10FEF3A0-D6AC-1345-BC35-FFB273F9A05B}"/>
-              </a:ext>
-            </a:extLst>
-          </p:cNvPr>
-          <p:cNvPicPr>
-            <a:picLocks noGrp="1" noChangeAspect="1" noChangeArrowheads="1"/>
-          </p:cNvPicPr>
-          <p:nvPr>
-            <p:ph idx="1"/>
-          </p:nvPr>
-        </p:nvPicPr>
-        <p:blipFill>
-          <a:blip r:embed="rId2">
-            <a:extLst>
-              <a:ext uri="{28A0092B-C50C-407E-A947-70E740481C1C}">
-                <a14:useLocalDpi xmlns:a14="http://schemas.microsoft.com/office/drawing/2010/main" val="0"/>
-              </a:ext>
-            </a:extLst>
-          </a:blip>
-          <a:srcRect/>
-          <a:stretch>
-            <a:fillRect/>
-          </a:stretch>
-        </p:blipFill>
-        <p:spPr bwMode="auto">
-          <a:xfrm>
-            <a:off x="688841" y="1776891"/>
-            <a:ext cx="10515600" cy="2172965"/>
-          </a:xfrm>
-          <a:prstGeom prst="rect">
-            <a:avLst/>
-          </a:prstGeom>
-          <a:noFill/>
-          <a:extLst>
-            <a:ext uri="{909E8E84-426E-40DD-AFC4-6F175D3DCCD1}">
-              <a14:hiddenFill xmlns:a14="http://schemas.microsoft.com/office/drawing/2010/main">
-                <a:solidFill>
-                  <a:srgbClr val="FFFFFF"/>
-                </a:solidFill>
-              </a14:hiddenFill>
-            </a:ext>
-          </a:extLst>
-        </p:spPr>
-      </p:pic>
-      <p:pic>
-        <p:nvPicPr>
-          <p:cNvPr id="12" name="Resim 11">
-            <a:extLst>
-              <a:ext uri="{FF2B5EF4-FFF2-40B4-BE49-F238E27FC236}">
-                <a16:creationId xmlns:a16="http://schemas.microsoft.com/office/drawing/2014/main" id="{315753B4-12DE-6A24-1182-7885E449DB70}"/>
-              </a:ext>
-            </a:extLst>
-          </p:cNvPr>
-          <p:cNvPicPr>
-            <a:picLocks noChangeAspect="1"/>
-          </p:cNvPicPr>
-          <p:nvPr/>
-        </p:nvPicPr>
-        <p:blipFill>
-          <a:blip r:embed="rId3"/>
-          <a:stretch>
-            <a:fillRect/>
-          </a:stretch>
-        </p:blipFill>
-        <p:spPr>
-          <a:xfrm>
-            <a:off x="688841" y="4036059"/>
-            <a:ext cx="10614159" cy="2192176"/>
-          </a:xfrm>
-          <a:prstGeom prst="rect">
-            <a:avLst/>
-          </a:prstGeom>
-        </p:spPr>
-      </p:pic>
-    </p:spTree>
-    <p:extLst>
-      <p:ext uri="{BB962C8B-B14F-4D97-AF65-F5344CB8AC3E}">
-        <p14:creationId xmlns:p14="http://schemas.microsoft.com/office/powerpoint/2010/main" val="1396051670"/>
       </p:ext>
     </p:extLst>
   </p:cSld>
